--- a/pictures/java_nio.pptx
+++ b/pictures/java_nio.pptx
@@ -17,6 +17,8 @@
     <p:sldId id="269" r:id="rId11"/>
     <p:sldId id="270" r:id="rId12"/>
     <p:sldId id="271" r:id="rId13"/>
+    <p:sldId id="272" r:id="rId14"/>
+    <p:sldId id="273" r:id="rId15"/>
   </p:sldIdLst>
   <p:sldSz cx="12192000" cy="6858000"/>
   <p:notesSz cx="6858000" cy="9144000"/>
@@ -263,7 +265,7 @@
           <a:p>
             <a:fld id="{D997B5FA-0921-464F-AAE1-844C04324D75}" type="datetimeFigureOut">
               <a:rPr lang="zh-CN" altLang="en-US" smtClean="0"/>
-              <a:t>2020/4/17</a:t>
+              <a:t>2020/4/20</a:t>
             </a:fld>
             <a:endParaRPr lang="zh-CN" altLang="en-US"/>
           </a:p>
@@ -431,7 +433,7 @@
           <a:p>
             <a:fld id="{D997B5FA-0921-464F-AAE1-844C04324D75}" type="datetimeFigureOut">
               <a:rPr lang="zh-CN" altLang="en-US" smtClean="0"/>
-              <a:t>2020/4/17</a:t>
+              <a:t>2020/4/20</a:t>
             </a:fld>
             <a:endParaRPr lang="zh-CN" altLang="en-US"/>
           </a:p>
@@ -609,7 +611,7 @@
           <a:p>
             <a:fld id="{D997B5FA-0921-464F-AAE1-844C04324D75}" type="datetimeFigureOut">
               <a:rPr lang="zh-CN" altLang="en-US" smtClean="0"/>
-              <a:t>2020/4/17</a:t>
+              <a:t>2020/4/20</a:t>
             </a:fld>
             <a:endParaRPr lang="zh-CN" altLang="en-US"/>
           </a:p>
@@ -777,7 +779,7 @@
           <a:p>
             <a:fld id="{D997B5FA-0921-464F-AAE1-844C04324D75}" type="datetimeFigureOut">
               <a:rPr lang="zh-CN" altLang="en-US" smtClean="0"/>
-              <a:t>2020/4/17</a:t>
+              <a:t>2020/4/20</a:t>
             </a:fld>
             <a:endParaRPr lang="zh-CN" altLang="en-US"/>
           </a:p>
@@ -1022,7 +1024,7 @@
           <a:p>
             <a:fld id="{D997B5FA-0921-464F-AAE1-844C04324D75}" type="datetimeFigureOut">
               <a:rPr lang="zh-CN" altLang="en-US" smtClean="0"/>
-              <a:t>2020/4/17</a:t>
+              <a:t>2020/4/20</a:t>
             </a:fld>
             <a:endParaRPr lang="zh-CN" altLang="en-US"/>
           </a:p>
@@ -1251,7 +1253,7 @@
           <a:p>
             <a:fld id="{D997B5FA-0921-464F-AAE1-844C04324D75}" type="datetimeFigureOut">
               <a:rPr lang="zh-CN" altLang="en-US" smtClean="0"/>
-              <a:t>2020/4/17</a:t>
+              <a:t>2020/4/20</a:t>
             </a:fld>
             <a:endParaRPr lang="zh-CN" altLang="en-US"/>
           </a:p>
@@ -1615,7 +1617,7 @@
           <a:p>
             <a:fld id="{D997B5FA-0921-464F-AAE1-844C04324D75}" type="datetimeFigureOut">
               <a:rPr lang="zh-CN" altLang="en-US" smtClean="0"/>
-              <a:t>2020/4/17</a:t>
+              <a:t>2020/4/20</a:t>
             </a:fld>
             <a:endParaRPr lang="zh-CN" altLang="en-US"/>
           </a:p>
@@ -1732,7 +1734,7 @@
           <a:p>
             <a:fld id="{D997B5FA-0921-464F-AAE1-844C04324D75}" type="datetimeFigureOut">
               <a:rPr lang="zh-CN" altLang="en-US" smtClean="0"/>
-              <a:t>2020/4/17</a:t>
+              <a:t>2020/4/20</a:t>
             </a:fld>
             <a:endParaRPr lang="zh-CN" altLang="en-US"/>
           </a:p>
@@ -1827,7 +1829,7 @@
           <a:p>
             <a:fld id="{D997B5FA-0921-464F-AAE1-844C04324D75}" type="datetimeFigureOut">
               <a:rPr lang="zh-CN" altLang="en-US" smtClean="0"/>
-              <a:t>2020/4/17</a:t>
+              <a:t>2020/4/20</a:t>
             </a:fld>
             <a:endParaRPr lang="zh-CN" altLang="en-US"/>
           </a:p>
@@ -2102,7 +2104,7 @@
           <a:p>
             <a:fld id="{D997B5FA-0921-464F-AAE1-844C04324D75}" type="datetimeFigureOut">
               <a:rPr lang="zh-CN" altLang="en-US" smtClean="0"/>
-              <a:t>2020/4/17</a:t>
+              <a:t>2020/4/20</a:t>
             </a:fld>
             <a:endParaRPr lang="zh-CN" altLang="en-US"/>
           </a:p>
@@ -2354,7 +2356,7 @@
           <a:p>
             <a:fld id="{D997B5FA-0921-464F-AAE1-844C04324D75}" type="datetimeFigureOut">
               <a:rPr lang="zh-CN" altLang="en-US" smtClean="0"/>
-              <a:t>2020/4/17</a:t>
+              <a:t>2020/4/20</a:t>
             </a:fld>
             <a:endParaRPr lang="zh-CN" altLang="en-US"/>
           </a:p>
@@ -2565,7 +2567,7 @@
           <a:p>
             <a:fld id="{D997B5FA-0921-464F-AAE1-844C04324D75}" type="datetimeFigureOut">
               <a:rPr lang="zh-CN" altLang="en-US" smtClean="0"/>
-              <a:t>2020/4/17</a:t>
+              <a:t>2020/4/20</a:t>
             </a:fld>
             <a:endParaRPr lang="zh-CN" altLang="en-US"/>
           </a:p>
@@ -3598,7 +3600,7 @@
             <a:lstStyle/>
             <a:p>
               <a:r>
-                <a:rPr lang="en-US" altLang="zh-CN" b="1" dirty="0">
+                <a:rPr lang="en-US" altLang="zh-CN" b="1">
                   <a:solidFill>
                     <a:schemeClr val="accent1">
                       <a:lumMod val="75000"/>
@@ -3607,7 +3609,7 @@
                 </a:rPr>
                 <a:t>capacity</a:t>
               </a:r>
-              <a:endParaRPr lang="zh-CN" altLang="en-US" b="1" dirty="0">
+              <a:endParaRPr lang="zh-CN" altLang="en-US" b="1">
                 <a:solidFill>
                   <a:schemeClr val="accent1">
                     <a:lumMod val="75000"/>
@@ -3706,7 +3708,7 @@
             <a:lstStyle/>
             <a:p>
               <a:r>
-                <a:rPr lang="en-US" altLang="zh-CN" b="1" dirty="0">
+                <a:rPr lang="en-US" altLang="zh-CN" b="1">
                   <a:solidFill>
                     <a:schemeClr val="accent1">
                       <a:lumMod val="75000"/>
@@ -3715,7 +3717,7 @@
                 </a:rPr>
                 <a:t>position</a:t>
               </a:r>
-              <a:endParaRPr lang="zh-CN" altLang="en-US" b="1" dirty="0">
+              <a:endParaRPr lang="zh-CN" altLang="en-US" b="1">
                 <a:solidFill>
                   <a:schemeClr val="accent1">
                     <a:lumMod val="75000"/>
@@ -3814,7 +3816,7 @@
             <a:lstStyle/>
             <a:p>
               <a:r>
-                <a:rPr lang="en-US" altLang="zh-CN" b="1" dirty="0">
+                <a:rPr lang="en-US" altLang="zh-CN" b="1">
                   <a:solidFill>
                     <a:schemeClr val="accent1">
                       <a:lumMod val="75000"/>
@@ -3823,7 +3825,7 @@
                 </a:rPr>
                 <a:t>   mark </a:t>
               </a:r>
-              <a:endParaRPr lang="zh-CN" altLang="en-US" b="1" dirty="0">
+              <a:endParaRPr lang="zh-CN" altLang="en-US" b="1">
                 <a:solidFill>
                   <a:schemeClr val="accent1">
                     <a:lumMod val="75000"/>
@@ -3904,7 +3906,7 @@
           <a:lstStyle/>
           <a:p>
             <a:r>
-              <a:rPr lang="en-US" altLang="zh-CN" b="1" dirty="0">
+              <a:rPr lang="en-US" altLang="zh-CN" b="1">
                 <a:solidFill>
                   <a:schemeClr val="accent1">
                     <a:lumMod val="75000"/>
@@ -3913,7 +3915,7 @@
               </a:rPr>
               <a:t>limit</a:t>
             </a:r>
-            <a:endParaRPr lang="zh-CN" altLang="en-US" b="1" dirty="0">
+            <a:endParaRPr lang="zh-CN" altLang="en-US" b="1">
               <a:solidFill>
                 <a:schemeClr val="accent1">
                   <a:lumMod val="75000"/>
@@ -3982,10 +3984,10 @@
           <a:lstStyle/>
           <a:p>
             <a:r>
-              <a:rPr lang="en-US" altLang="zh-CN" sz="3200" dirty="0"/>
+              <a:rPr lang="en-US" altLang="zh-CN" sz="3200"/>
               <a:t>scatter    </a:t>
             </a:r>
-            <a:endParaRPr lang="zh-CN" altLang="en-US" sz="3200" dirty="0"/>
+            <a:endParaRPr lang="zh-CN" altLang="en-US" sz="3200"/>
           </a:p>
         </p:txBody>
       </p:sp>
@@ -4036,7 +4038,7 @@
           <a:p>
             <a:pPr algn="ctr"/>
             <a:r>
-              <a:rPr lang="en-US" altLang="zh-CN" b="1" dirty="0">
+              <a:rPr lang="en-US" altLang="zh-CN" b="1">
                 <a:solidFill>
                   <a:schemeClr val="bg2">
                     <a:lumMod val="10000"/>
@@ -4045,7 +4047,7 @@
               </a:rPr>
               <a:t>Channel</a:t>
             </a:r>
-            <a:endParaRPr lang="zh-CN" altLang="en-US" b="1" dirty="0">
+            <a:endParaRPr lang="zh-CN" altLang="en-US" b="1">
               <a:solidFill>
                 <a:schemeClr val="bg2">
                   <a:lumMod val="10000"/>
@@ -4102,7 +4104,7 @@
           <a:p>
             <a:pPr algn="ctr"/>
             <a:r>
-              <a:rPr lang="en-US" altLang="zh-CN" b="1" dirty="0">
+              <a:rPr lang="en-US" altLang="zh-CN" b="1">
                 <a:solidFill>
                   <a:schemeClr val="bg2">
                     <a:lumMod val="10000"/>
@@ -4111,7 +4113,7 @@
               </a:rPr>
               <a:t>Buffer01</a:t>
             </a:r>
-            <a:endParaRPr lang="zh-CN" altLang="en-US" b="1" dirty="0">
+            <a:endParaRPr lang="zh-CN" altLang="en-US" b="1">
               <a:solidFill>
                 <a:schemeClr val="bg2">
                   <a:lumMod val="10000"/>
@@ -4168,7 +4170,7 @@
           <a:p>
             <a:pPr algn="ctr"/>
             <a:r>
-              <a:rPr lang="en-US" altLang="zh-CN" b="1" dirty="0">
+              <a:rPr lang="en-US" altLang="zh-CN" b="1">
                 <a:solidFill>
                   <a:schemeClr val="bg2">
                     <a:lumMod val="10000"/>
@@ -4177,7 +4179,7 @@
               </a:rPr>
               <a:t>Buffer02</a:t>
             </a:r>
-            <a:endParaRPr lang="zh-CN" altLang="en-US" b="1" dirty="0">
+            <a:endParaRPr lang="zh-CN" altLang="en-US" b="1">
               <a:solidFill>
                 <a:schemeClr val="bg2">
                   <a:lumMod val="10000"/>
@@ -4234,7 +4236,7 @@
           <a:p>
             <a:pPr algn="ctr"/>
             <a:r>
-              <a:rPr lang="en-US" altLang="zh-CN" b="1" dirty="0">
+              <a:rPr lang="en-US" altLang="zh-CN" b="1">
                 <a:solidFill>
                   <a:schemeClr val="bg2">
                     <a:lumMod val="10000"/>
@@ -4243,7 +4245,7 @@
               </a:rPr>
               <a:t>Buffer03</a:t>
             </a:r>
-            <a:endParaRPr lang="zh-CN" altLang="en-US" b="1" dirty="0">
+            <a:endParaRPr lang="zh-CN" altLang="en-US" b="1">
               <a:solidFill>
                 <a:schemeClr val="bg2">
                   <a:lumMod val="10000"/>
@@ -4437,10 +4439,10 @@
           <a:lstStyle/>
           <a:p>
             <a:r>
-              <a:rPr lang="en-US" altLang="zh-CN" sz="3200" dirty="0"/>
+              <a:rPr lang="en-US" altLang="zh-CN" sz="3200"/>
               <a:t>gather   </a:t>
             </a:r>
-            <a:endParaRPr lang="zh-CN" altLang="en-US" sz="3200" dirty="0"/>
+            <a:endParaRPr lang="zh-CN" altLang="en-US" sz="3200"/>
           </a:p>
         </p:txBody>
       </p:sp>
@@ -4491,7 +4493,7 @@
           <a:p>
             <a:pPr algn="ctr"/>
             <a:r>
-              <a:rPr lang="en-US" altLang="zh-CN" b="1" dirty="0">
+              <a:rPr lang="en-US" altLang="zh-CN" b="1">
                 <a:solidFill>
                   <a:schemeClr val="bg2">
                     <a:lumMod val="10000"/>
@@ -4500,7 +4502,7 @@
               </a:rPr>
               <a:t>Channel</a:t>
             </a:r>
-            <a:endParaRPr lang="zh-CN" altLang="en-US" b="1" dirty="0">
+            <a:endParaRPr lang="zh-CN" altLang="en-US" b="1">
               <a:solidFill>
                 <a:schemeClr val="bg2">
                   <a:lumMod val="10000"/>
@@ -4557,7 +4559,7 @@
           <a:p>
             <a:pPr algn="ctr"/>
             <a:r>
-              <a:rPr lang="en-US" altLang="zh-CN" b="1" dirty="0">
+              <a:rPr lang="en-US" altLang="zh-CN" b="1">
                 <a:solidFill>
                   <a:schemeClr val="bg2">
                     <a:lumMod val="10000"/>
@@ -4566,7 +4568,7 @@
               </a:rPr>
               <a:t>Buffer01</a:t>
             </a:r>
-            <a:endParaRPr lang="zh-CN" altLang="en-US" b="1" dirty="0">
+            <a:endParaRPr lang="zh-CN" altLang="en-US" b="1">
               <a:solidFill>
                 <a:schemeClr val="bg2">
                   <a:lumMod val="10000"/>
@@ -4623,7 +4625,7 @@
           <a:p>
             <a:pPr algn="ctr"/>
             <a:r>
-              <a:rPr lang="en-US" altLang="zh-CN" b="1" dirty="0">
+              <a:rPr lang="en-US" altLang="zh-CN" b="1">
                 <a:solidFill>
                   <a:schemeClr val="bg2">
                     <a:lumMod val="10000"/>
@@ -4632,7 +4634,7 @@
               </a:rPr>
               <a:t>Buffer02</a:t>
             </a:r>
-            <a:endParaRPr lang="zh-CN" altLang="en-US" b="1" dirty="0">
+            <a:endParaRPr lang="zh-CN" altLang="en-US" b="1">
               <a:solidFill>
                 <a:schemeClr val="bg2">
                   <a:lumMod val="10000"/>
@@ -4689,7 +4691,7 @@
           <a:p>
             <a:pPr algn="ctr"/>
             <a:r>
-              <a:rPr lang="en-US" altLang="zh-CN" b="1" dirty="0">
+              <a:rPr lang="en-US" altLang="zh-CN" b="1">
                 <a:solidFill>
                   <a:schemeClr val="bg2">
                     <a:lumMod val="10000"/>
@@ -4698,7 +4700,7 @@
               </a:rPr>
               <a:t>Buffer03</a:t>
             </a:r>
-            <a:endParaRPr lang="zh-CN" altLang="en-US" b="1" dirty="0">
+            <a:endParaRPr lang="zh-CN" altLang="en-US" b="1">
               <a:solidFill>
                 <a:schemeClr val="bg2">
                   <a:lumMod val="10000"/>
@@ -4954,10 +4956,10 @@
           <a:lstStyle/>
           <a:p>
             <a:r>
-              <a:rPr lang="en-US" altLang="zh-CN" sz="3200" dirty="0"/>
+              <a:rPr lang="en-US" altLang="zh-CN" sz="3200"/>
               <a:t>Pipe   </a:t>
             </a:r>
-            <a:endParaRPr lang="zh-CN" altLang="en-US" sz="3200" dirty="0"/>
+            <a:endParaRPr lang="zh-CN" altLang="en-US" sz="3200"/>
           </a:p>
         </p:txBody>
       </p:sp>
@@ -5008,7 +5010,7 @@
           <a:p>
             <a:pPr algn="ctr"/>
             <a:r>
-              <a:rPr lang="en-US" altLang="zh-CN" b="1" dirty="0">
+              <a:rPr lang="en-US" altLang="zh-CN" b="1">
                 <a:solidFill>
                   <a:schemeClr val="bg2">
                     <a:lumMod val="10000"/>
@@ -5021,7 +5023,7 @@
           <a:p>
             <a:pPr algn="ctr"/>
             <a:r>
-              <a:rPr lang="en-US" altLang="zh-CN" b="1" dirty="0">
+              <a:rPr lang="en-US" altLang="zh-CN" b="1">
                 <a:solidFill>
                   <a:schemeClr val="bg2">
                     <a:lumMod val="10000"/>
@@ -5030,7 +5032,7 @@
               </a:rPr>
               <a:t>Channel</a:t>
             </a:r>
-            <a:endParaRPr lang="zh-CN" altLang="en-US" b="1" dirty="0">
+            <a:endParaRPr lang="zh-CN" altLang="en-US" b="1">
               <a:solidFill>
                 <a:schemeClr val="bg2">
                   <a:lumMod val="10000"/>
@@ -5087,7 +5089,7 @@
           <a:p>
             <a:pPr algn="ctr"/>
             <a:r>
-              <a:rPr lang="en-US" altLang="zh-CN" b="1" dirty="0">
+              <a:rPr lang="en-US" altLang="zh-CN" b="1">
                 <a:solidFill>
                   <a:schemeClr val="bg2">
                     <a:lumMod val="10000"/>
@@ -5096,7 +5098,7 @@
               </a:rPr>
               <a:t>Thread A</a:t>
             </a:r>
-            <a:endParaRPr lang="zh-CN" altLang="en-US" b="1" dirty="0">
+            <a:endParaRPr lang="zh-CN" altLang="en-US" b="1">
               <a:solidFill>
                 <a:schemeClr val="bg2">
                   <a:lumMod val="10000"/>
@@ -5153,7 +5155,7 @@
           <a:p>
             <a:pPr algn="ctr"/>
             <a:r>
-              <a:rPr lang="en-US" altLang="zh-CN" b="1" dirty="0">
+              <a:rPr lang="en-US" altLang="zh-CN" b="1">
                 <a:solidFill>
                   <a:schemeClr val="bg2">
                     <a:lumMod val="10000"/>
@@ -5166,7 +5168,7 @@
           <a:p>
             <a:pPr algn="ctr"/>
             <a:r>
-              <a:rPr lang="en-US" altLang="zh-CN" b="1" dirty="0">
+              <a:rPr lang="en-US" altLang="zh-CN" b="1">
                 <a:solidFill>
                   <a:schemeClr val="bg2">
                     <a:lumMod val="10000"/>
@@ -5175,7 +5177,7 @@
               </a:rPr>
               <a:t>Channel</a:t>
             </a:r>
-            <a:endParaRPr lang="zh-CN" altLang="en-US" b="1" dirty="0">
+            <a:endParaRPr lang="zh-CN" altLang="en-US" b="1">
               <a:solidFill>
                 <a:schemeClr val="bg2">
                   <a:lumMod val="10000"/>
@@ -5232,7 +5234,7 @@
           <a:p>
             <a:pPr algn="ctr"/>
             <a:r>
-              <a:rPr lang="en-US" altLang="zh-CN" b="1" dirty="0">
+              <a:rPr lang="en-US" altLang="zh-CN" b="1">
                 <a:solidFill>
                   <a:schemeClr val="bg2">
                     <a:lumMod val="10000"/>
@@ -5241,7 +5243,7 @@
               </a:rPr>
               <a:t>Thread B</a:t>
             </a:r>
-            <a:endParaRPr lang="zh-CN" altLang="en-US" b="1" dirty="0">
+            <a:endParaRPr lang="zh-CN" altLang="en-US" b="1">
               <a:solidFill>
                 <a:schemeClr val="bg2">
                   <a:lumMod val="10000"/>
@@ -5418,10 +5420,10 @@
           <a:lstStyle/>
           <a:p>
             <a:r>
-              <a:rPr lang="en-US" altLang="zh-CN" sz="2800" b="1" dirty="0"/>
+              <a:rPr lang="en-US" altLang="zh-CN" sz="2800" b="1"/>
               <a:t>Pipe   </a:t>
             </a:r>
-            <a:endParaRPr lang="zh-CN" altLang="en-US" sz="2800" b="1" dirty="0"/>
+            <a:endParaRPr lang="zh-CN" altLang="en-US" sz="2800" b="1"/>
           </a:p>
         </p:txBody>
       </p:sp>
@@ -5429,6 +5431,1567 @@
     <p:extLst>
       <p:ext uri="{BB962C8B-B14F-4D97-AF65-F5344CB8AC3E}">
         <p14:creationId xmlns:p14="http://schemas.microsoft.com/office/powerpoint/2010/main" val="3607928751"/>
+      </p:ext>
+    </p:extLst>
+  </p:cSld>
+  <p:clrMapOvr>
+    <a:masterClrMapping/>
+  </p:clrMapOvr>
+</p:sld>
+</file>
+
+<file path=ppt/slides/slide13.xml><?xml version="1.0" encoding="utf-8"?>
+<p:sld xmlns:a="http://schemas.openxmlformats.org/drawingml/2006/main" xmlns:r="http://schemas.openxmlformats.org/officeDocument/2006/relationships" xmlns:p="http://schemas.openxmlformats.org/presentationml/2006/main">
+  <p:cSld>
+    <p:spTree>
+      <p:nvGrpSpPr>
+        <p:cNvPr id="1" name=""/>
+        <p:cNvGrpSpPr/>
+        <p:nvPr/>
+      </p:nvGrpSpPr>
+      <p:grpSpPr>
+        <a:xfrm>
+          <a:off x="0" y="0"/>
+          <a:ext cx="0" cy="0"/>
+          <a:chOff x="0" y="0"/>
+          <a:chExt cx="0" cy="0"/>
+        </a:xfrm>
+      </p:grpSpPr>
+      <p:sp>
+        <p:nvSpPr>
+          <p:cNvPr id="98" name="文本框 97">
+            <a:extLst>
+              <a:ext uri="{FF2B5EF4-FFF2-40B4-BE49-F238E27FC236}">
+                <a16:creationId xmlns:a16="http://schemas.microsoft.com/office/drawing/2014/main" id="{F52432F9-1EAE-463D-AAF9-DE9E0F9A544B}"/>
+              </a:ext>
+            </a:extLst>
+          </p:cNvPr>
+          <p:cNvSpPr txBox="1"/>
+          <p:nvPr/>
+        </p:nvSpPr>
+        <p:spPr>
+          <a:xfrm>
+            <a:off x="428625" y="262623"/>
+            <a:ext cx="1914525" cy="1077218"/>
+          </a:xfrm>
+          <a:prstGeom prst="rect">
+            <a:avLst/>
+          </a:prstGeom>
+          <a:noFill/>
+        </p:spPr>
+        <p:txBody>
+          <a:bodyPr wrap="square" rtlCol="0">
+            <a:spAutoFit/>
+          </a:bodyPr>
+          <a:lstStyle/>
+          <a:p>
+            <a:r>
+              <a:rPr lang="en-US" altLang="zh-CN" sz="3200"/>
+              <a:t>Channel Buffer   </a:t>
+            </a:r>
+            <a:endParaRPr lang="zh-CN" altLang="en-US" sz="3200"/>
+          </a:p>
+        </p:txBody>
+      </p:sp>
+      <p:sp>
+        <p:nvSpPr>
+          <p:cNvPr id="2" name="矩形: 圆角 1">
+            <a:extLst>
+              <a:ext uri="{FF2B5EF4-FFF2-40B4-BE49-F238E27FC236}">
+                <a16:creationId xmlns:a16="http://schemas.microsoft.com/office/drawing/2014/main" id="{F8F797FB-1708-4AE9-9E1E-5440BEDB0F2E}"/>
+              </a:ext>
+            </a:extLst>
+          </p:cNvPr>
+          <p:cNvSpPr/>
+          <p:nvPr/>
+        </p:nvSpPr>
+        <p:spPr>
+          <a:xfrm>
+            <a:off x="7493794" y="1404936"/>
+            <a:ext cx="1743075" cy="1014413"/>
+          </a:xfrm>
+          <a:prstGeom prst="roundRect">
+            <a:avLst/>
+          </a:prstGeom>
+          <a:solidFill>
+            <a:srgbClr val="00B0F0"/>
+          </a:solidFill>
+          <a:ln w="28575">
+            <a:noFill/>
+          </a:ln>
+        </p:spPr>
+        <p:style>
+          <a:lnRef idx="1">
+            <a:schemeClr val="accent4"/>
+          </a:lnRef>
+          <a:fillRef idx="2">
+            <a:schemeClr val="accent4"/>
+          </a:fillRef>
+          <a:effectRef idx="1">
+            <a:schemeClr val="accent4"/>
+          </a:effectRef>
+          <a:fontRef idx="minor">
+            <a:schemeClr val="dk1"/>
+          </a:fontRef>
+        </p:style>
+        <p:txBody>
+          <a:bodyPr rtlCol="0" anchor="ctr"/>
+          <a:lstStyle/>
+          <a:p>
+            <a:pPr algn="ctr"/>
+            <a:r>
+              <a:rPr lang="en-US" altLang="zh-CN" sz="2000" b="1">
+                <a:solidFill>
+                  <a:schemeClr val="bg2">
+                    <a:lumMod val="10000"/>
+                  </a:schemeClr>
+                </a:solidFill>
+              </a:rPr>
+              <a:t>Buffer</a:t>
+            </a:r>
+            <a:endParaRPr lang="zh-CN" altLang="en-US" sz="2000" b="1">
+              <a:solidFill>
+                <a:schemeClr val="bg2">
+                  <a:lumMod val="10000"/>
+                </a:schemeClr>
+              </a:solidFill>
+            </a:endParaRPr>
+          </a:p>
+        </p:txBody>
+      </p:sp>
+      <p:sp>
+        <p:nvSpPr>
+          <p:cNvPr id="36" name="矩形: 圆角 35">
+            <a:extLst>
+              <a:ext uri="{FF2B5EF4-FFF2-40B4-BE49-F238E27FC236}">
+                <a16:creationId xmlns:a16="http://schemas.microsoft.com/office/drawing/2014/main" id="{F137DA8F-D86E-4AEB-AB3C-D6105AC8BB39}"/>
+              </a:ext>
+            </a:extLst>
+          </p:cNvPr>
+          <p:cNvSpPr/>
+          <p:nvPr/>
+        </p:nvSpPr>
+        <p:spPr>
+          <a:xfrm>
+            <a:off x="3283739" y="1404936"/>
+            <a:ext cx="1743075" cy="1014413"/>
+          </a:xfrm>
+          <a:prstGeom prst="roundRect">
+            <a:avLst/>
+          </a:prstGeom>
+          <a:solidFill>
+            <a:srgbClr val="92D050"/>
+          </a:solidFill>
+          <a:ln w="28575">
+            <a:noFill/>
+          </a:ln>
+        </p:spPr>
+        <p:style>
+          <a:lnRef idx="1">
+            <a:schemeClr val="accent4"/>
+          </a:lnRef>
+          <a:fillRef idx="2">
+            <a:schemeClr val="accent4"/>
+          </a:fillRef>
+          <a:effectRef idx="1">
+            <a:schemeClr val="accent4"/>
+          </a:effectRef>
+          <a:fontRef idx="minor">
+            <a:schemeClr val="dk1"/>
+          </a:fontRef>
+        </p:style>
+        <p:txBody>
+          <a:bodyPr rtlCol="0" anchor="ctr"/>
+          <a:lstStyle/>
+          <a:p>
+            <a:pPr algn="ctr"/>
+            <a:r>
+              <a:rPr lang="en-US" altLang="zh-CN" sz="2000" b="1">
+                <a:solidFill>
+                  <a:schemeClr val="bg2">
+                    <a:lumMod val="10000"/>
+                  </a:schemeClr>
+                </a:solidFill>
+              </a:rPr>
+              <a:t>Channel</a:t>
+            </a:r>
+            <a:endParaRPr lang="zh-CN" altLang="en-US" sz="2000" b="1">
+              <a:solidFill>
+                <a:schemeClr val="bg2">
+                  <a:lumMod val="10000"/>
+                </a:schemeClr>
+              </a:solidFill>
+            </a:endParaRPr>
+          </a:p>
+        </p:txBody>
+      </p:sp>
+      <p:sp>
+        <p:nvSpPr>
+          <p:cNvPr id="18" name="矩形: 圆角 17">
+            <a:extLst>
+              <a:ext uri="{FF2B5EF4-FFF2-40B4-BE49-F238E27FC236}">
+                <a16:creationId xmlns:a16="http://schemas.microsoft.com/office/drawing/2014/main" id="{3BC3F543-B8AC-41A2-9776-A78DD5EFFFF0}"/>
+              </a:ext>
+            </a:extLst>
+          </p:cNvPr>
+          <p:cNvSpPr/>
+          <p:nvPr/>
+        </p:nvSpPr>
+        <p:spPr>
+          <a:xfrm>
+            <a:off x="4270768" y="4447779"/>
+            <a:ext cx="1222553" cy="1014413"/>
+          </a:xfrm>
+          <a:prstGeom prst="roundRect">
+            <a:avLst/>
+          </a:prstGeom>
+          <a:solidFill>
+            <a:srgbClr val="00B0F0"/>
+          </a:solidFill>
+          <a:ln w="28575">
+            <a:noFill/>
+          </a:ln>
+        </p:spPr>
+        <p:style>
+          <a:lnRef idx="1">
+            <a:schemeClr val="accent4"/>
+          </a:lnRef>
+          <a:fillRef idx="2">
+            <a:schemeClr val="accent4"/>
+          </a:fillRef>
+          <a:effectRef idx="1">
+            <a:schemeClr val="accent4"/>
+          </a:effectRef>
+          <a:fontRef idx="minor">
+            <a:schemeClr val="dk1"/>
+          </a:fontRef>
+        </p:style>
+        <p:txBody>
+          <a:bodyPr rtlCol="0" anchor="ctr"/>
+          <a:lstStyle/>
+          <a:p>
+            <a:pPr algn="ctr"/>
+            <a:r>
+              <a:rPr lang="en-US" altLang="zh-CN" sz="2000" b="1">
+                <a:solidFill>
+                  <a:schemeClr val="bg2">
+                    <a:lumMod val="10000"/>
+                  </a:schemeClr>
+                </a:solidFill>
+              </a:rPr>
+              <a:t>Buffer</a:t>
+            </a:r>
+            <a:endParaRPr lang="zh-CN" altLang="en-US" sz="2000" b="1">
+              <a:solidFill>
+                <a:schemeClr val="bg2">
+                  <a:lumMod val="10000"/>
+                </a:schemeClr>
+              </a:solidFill>
+            </a:endParaRPr>
+          </a:p>
+        </p:txBody>
+      </p:sp>
+      <p:sp>
+        <p:nvSpPr>
+          <p:cNvPr id="21" name="矩形: 圆角 20">
+            <a:extLst>
+              <a:ext uri="{FF2B5EF4-FFF2-40B4-BE49-F238E27FC236}">
+                <a16:creationId xmlns:a16="http://schemas.microsoft.com/office/drawing/2014/main" id="{C4CFC76D-98CD-4578-B2DC-8AA0144EBFFA}"/>
+              </a:ext>
+            </a:extLst>
+          </p:cNvPr>
+          <p:cNvSpPr/>
+          <p:nvPr/>
+        </p:nvSpPr>
+        <p:spPr>
+          <a:xfrm>
+            <a:off x="2041568" y="4443214"/>
+            <a:ext cx="1743075" cy="1014413"/>
+          </a:xfrm>
+          <a:prstGeom prst="roundRect">
+            <a:avLst/>
+          </a:prstGeom>
+          <a:solidFill>
+            <a:srgbClr val="92D050"/>
+          </a:solidFill>
+          <a:ln w="28575">
+            <a:noFill/>
+          </a:ln>
+        </p:spPr>
+        <p:style>
+          <a:lnRef idx="1">
+            <a:schemeClr val="accent4"/>
+          </a:lnRef>
+          <a:fillRef idx="2">
+            <a:schemeClr val="accent4"/>
+          </a:fillRef>
+          <a:effectRef idx="1">
+            <a:schemeClr val="accent4"/>
+          </a:effectRef>
+          <a:fontRef idx="minor">
+            <a:schemeClr val="dk1"/>
+          </a:fontRef>
+        </p:style>
+        <p:txBody>
+          <a:bodyPr rtlCol="0" anchor="ctr"/>
+          <a:lstStyle/>
+          <a:p>
+            <a:pPr algn="ctr"/>
+            <a:r>
+              <a:rPr lang="en-US" altLang="zh-CN" sz="2000" b="1">
+                <a:solidFill>
+                  <a:schemeClr val="bg2">
+                    <a:lumMod val="10000"/>
+                  </a:schemeClr>
+                </a:solidFill>
+              </a:rPr>
+              <a:t>ServerSocketChannel</a:t>
+            </a:r>
+            <a:endParaRPr lang="zh-CN" altLang="en-US" sz="2000" b="1">
+              <a:solidFill>
+                <a:schemeClr val="bg2">
+                  <a:lumMod val="10000"/>
+                </a:schemeClr>
+              </a:solidFill>
+            </a:endParaRPr>
+          </a:p>
+        </p:txBody>
+      </p:sp>
+      <p:sp>
+        <p:nvSpPr>
+          <p:cNvPr id="22" name="矩形: 圆角 21">
+            <a:extLst>
+              <a:ext uri="{FF2B5EF4-FFF2-40B4-BE49-F238E27FC236}">
+                <a16:creationId xmlns:a16="http://schemas.microsoft.com/office/drawing/2014/main" id="{00F4E8F6-1498-4A3A-8941-E94F087719D9}"/>
+              </a:ext>
+            </a:extLst>
+          </p:cNvPr>
+          <p:cNvSpPr/>
+          <p:nvPr/>
+        </p:nvSpPr>
+        <p:spPr>
+          <a:xfrm>
+            <a:off x="8130079" y="4438652"/>
+            <a:ext cx="2006755" cy="1018975"/>
+          </a:xfrm>
+          <a:prstGeom prst="roundRect">
+            <a:avLst/>
+          </a:prstGeom>
+          <a:solidFill>
+            <a:srgbClr val="92D050"/>
+          </a:solidFill>
+          <a:ln w="28575">
+            <a:noFill/>
+          </a:ln>
+        </p:spPr>
+        <p:style>
+          <a:lnRef idx="1">
+            <a:schemeClr val="accent4"/>
+          </a:lnRef>
+          <a:fillRef idx="2">
+            <a:schemeClr val="accent4"/>
+          </a:fillRef>
+          <a:effectRef idx="1">
+            <a:schemeClr val="accent4"/>
+          </a:effectRef>
+          <a:fontRef idx="minor">
+            <a:schemeClr val="dk1"/>
+          </a:fontRef>
+        </p:style>
+        <p:txBody>
+          <a:bodyPr rtlCol="0" anchor="ctr"/>
+          <a:lstStyle/>
+          <a:p>
+            <a:pPr algn="ctr"/>
+            <a:r>
+              <a:rPr lang="en-US" altLang="zh-CN" sz="2000" b="1">
+                <a:solidFill>
+                  <a:schemeClr val="bg2">
+                    <a:lumMod val="10000"/>
+                  </a:schemeClr>
+                </a:solidFill>
+              </a:rPr>
+              <a:t>SocketChannel</a:t>
+            </a:r>
+            <a:endParaRPr lang="zh-CN" altLang="en-US" sz="2000" b="1">
+              <a:solidFill>
+                <a:schemeClr val="bg2">
+                  <a:lumMod val="10000"/>
+                </a:schemeClr>
+              </a:solidFill>
+            </a:endParaRPr>
+          </a:p>
+        </p:txBody>
+      </p:sp>
+      <p:cxnSp>
+        <p:nvCxnSpPr>
+          <p:cNvPr id="28" name="直接箭头连接符 27">
+            <a:extLst>
+              <a:ext uri="{FF2B5EF4-FFF2-40B4-BE49-F238E27FC236}">
+                <a16:creationId xmlns:a16="http://schemas.microsoft.com/office/drawing/2014/main" id="{4F450F0A-EDCB-484F-819E-C87097DF2A78}"/>
+              </a:ext>
+            </a:extLst>
+          </p:cNvPr>
+          <p:cNvCxnSpPr>
+            <a:cxnSpLocks/>
+          </p:cNvCxnSpPr>
+          <p:nvPr/>
+        </p:nvCxnSpPr>
+        <p:spPr>
+          <a:xfrm>
+            <a:off x="5026814" y="2185988"/>
+            <a:ext cx="2466980" cy="0"/>
+          </a:xfrm>
+          <a:prstGeom prst="straightConnector1">
+            <a:avLst/>
+          </a:prstGeom>
+          <a:ln w="38100">
+            <a:solidFill>
+              <a:schemeClr val="tx1"/>
+            </a:solidFill>
+            <a:tailEnd type="triangle"/>
+          </a:ln>
+        </p:spPr>
+        <p:style>
+          <a:lnRef idx="1">
+            <a:schemeClr val="accent1"/>
+          </a:lnRef>
+          <a:fillRef idx="0">
+            <a:schemeClr val="accent1"/>
+          </a:fillRef>
+          <a:effectRef idx="0">
+            <a:schemeClr val="accent1"/>
+          </a:effectRef>
+          <a:fontRef idx="minor">
+            <a:schemeClr val="tx1"/>
+          </a:fontRef>
+        </p:style>
+      </p:cxnSp>
+      <p:cxnSp>
+        <p:nvCxnSpPr>
+          <p:cNvPr id="33" name="直接箭头连接符 32">
+            <a:extLst>
+              <a:ext uri="{FF2B5EF4-FFF2-40B4-BE49-F238E27FC236}">
+                <a16:creationId xmlns:a16="http://schemas.microsoft.com/office/drawing/2014/main" id="{EB8E7D99-C750-4288-8EE5-4A603C63093F}"/>
+              </a:ext>
+            </a:extLst>
+          </p:cNvPr>
+          <p:cNvCxnSpPr>
+            <a:cxnSpLocks/>
+          </p:cNvCxnSpPr>
+          <p:nvPr/>
+        </p:nvCxnSpPr>
+        <p:spPr>
+          <a:xfrm flipH="1">
+            <a:off x="5026814" y="1624013"/>
+            <a:ext cx="2466980" cy="0"/>
+          </a:xfrm>
+          <a:prstGeom prst="straightConnector1">
+            <a:avLst/>
+          </a:prstGeom>
+          <a:ln w="38100">
+            <a:solidFill>
+              <a:schemeClr val="tx1"/>
+            </a:solidFill>
+            <a:tailEnd type="triangle"/>
+          </a:ln>
+        </p:spPr>
+        <p:style>
+          <a:lnRef idx="1">
+            <a:schemeClr val="accent1"/>
+          </a:lnRef>
+          <a:fillRef idx="0">
+            <a:schemeClr val="accent1"/>
+          </a:fillRef>
+          <a:effectRef idx="0">
+            <a:schemeClr val="accent1"/>
+          </a:effectRef>
+          <a:fontRef idx="minor">
+            <a:schemeClr val="tx1"/>
+          </a:fontRef>
+        </p:style>
+      </p:cxnSp>
+      <p:sp>
+        <p:nvSpPr>
+          <p:cNvPr id="32" name="文本框 31">
+            <a:extLst>
+              <a:ext uri="{FF2B5EF4-FFF2-40B4-BE49-F238E27FC236}">
+                <a16:creationId xmlns:a16="http://schemas.microsoft.com/office/drawing/2014/main" id="{B87C9909-6DF0-4E00-8C5F-427A314E91AF}"/>
+              </a:ext>
+            </a:extLst>
+          </p:cNvPr>
+          <p:cNvSpPr txBox="1"/>
+          <p:nvPr/>
+        </p:nvSpPr>
+        <p:spPr>
+          <a:xfrm>
+            <a:off x="5148264" y="2173367"/>
+            <a:ext cx="2800350" cy="369332"/>
+          </a:xfrm>
+          <a:prstGeom prst="rect">
+            <a:avLst/>
+          </a:prstGeom>
+          <a:noFill/>
+        </p:spPr>
+        <p:txBody>
+          <a:bodyPr wrap="square" rtlCol="0">
+            <a:spAutoFit/>
+          </a:bodyPr>
+          <a:lstStyle/>
+          <a:p>
+            <a:r>
+              <a:rPr lang="en-US" altLang="zh-CN" err="1"/>
+              <a:t>channel.read</a:t>
+            </a:r>
+            <a:r>
+              <a:rPr lang="en-US" altLang="zh-CN"/>
+              <a:t>(buffer)</a:t>
+            </a:r>
+          </a:p>
+        </p:txBody>
+      </p:sp>
+      <p:sp>
+        <p:nvSpPr>
+          <p:cNvPr id="39" name="文本框 38">
+            <a:extLst>
+              <a:ext uri="{FF2B5EF4-FFF2-40B4-BE49-F238E27FC236}">
+                <a16:creationId xmlns:a16="http://schemas.microsoft.com/office/drawing/2014/main" id="{26AA56A5-8B36-4784-8DD6-CF33BAA37FE6}"/>
+              </a:ext>
+            </a:extLst>
+          </p:cNvPr>
+          <p:cNvSpPr txBox="1"/>
+          <p:nvPr/>
+        </p:nvSpPr>
+        <p:spPr>
+          <a:xfrm>
+            <a:off x="5148264" y="1296829"/>
+            <a:ext cx="2800350" cy="369332"/>
+          </a:xfrm>
+          <a:prstGeom prst="rect">
+            <a:avLst/>
+          </a:prstGeom>
+          <a:noFill/>
+        </p:spPr>
+        <p:txBody>
+          <a:bodyPr wrap="square" rtlCol="0">
+            <a:spAutoFit/>
+          </a:bodyPr>
+          <a:lstStyle/>
+          <a:p>
+            <a:r>
+              <a:rPr lang="en-US" altLang="zh-CN" err="1"/>
+              <a:t>channel</a:t>
+            </a:r>
+            <a:r>
+              <a:rPr lang="en-US" altLang="zh-CN"/>
+              <a:t>.write(buffer)</a:t>
+            </a:r>
+            <a:endParaRPr lang="zh-CN" altLang="en-US"/>
+          </a:p>
+        </p:txBody>
+      </p:sp>
+      <p:sp>
+        <p:nvSpPr>
+          <p:cNvPr id="56" name="矩形: 圆角 55">
+            <a:extLst>
+              <a:ext uri="{FF2B5EF4-FFF2-40B4-BE49-F238E27FC236}">
+                <a16:creationId xmlns:a16="http://schemas.microsoft.com/office/drawing/2014/main" id="{A2B4E141-19A5-4C77-9764-A8E8A4C7C9F7}"/>
+              </a:ext>
+            </a:extLst>
+          </p:cNvPr>
+          <p:cNvSpPr/>
+          <p:nvPr/>
+        </p:nvSpPr>
+        <p:spPr>
+          <a:xfrm>
+            <a:off x="6401975" y="4447779"/>
+            <a:ext cx="1222553" cy="1014413"/>
+          </a:xfrm>
+          <a:prstGeom prst="roundRect">
+            <a:avLst/>
+          </a:prstGeom>
+          <a:solidFill>
+            <a:srgbClr val="00B0F0"/>
+          </a:solidFill>
+          <a:ln w="28575">
+            <a:noFill/>
+          </a:ln>
+        </p:spPr>
+        <p:style>
+          <a:lnRef idx="1">
+            <a:schemeClr val="accent4"/>
+          </a:lnRef>
+          <a:fillRef idx="2">
+            <a:schemeClr val="accent4"/>
+          </a:fillRef>
+          <a:effectRef idx="1">
+            <a:schemeClr val="accent4"/>
+          </a:effectRef>
+          <a:fontRef idx="minor">
+            <a:schemeClr val="dk1"/>
+          </a:fontRef>
+        </p:style>
+        <p:txBody>
+          <a:bodyPr rtlCol="0" anchor="ctr"/>
+          <a:lstStyle/>
+          <a:p>
+            <a:pPr algn="ctr"/>
+            <a:r>
+              <a:rPr lang="en-US" altLang="zh-CN" sz="2000" b="1">
+                <a:solidFill>
+                  <a:schemeClr val="bg2">
+                    <a:lumMod val="10000"/>
+                  </a:schemeClr>
+                </a:solidFill>
+              </a:rPr>
+              <a:t>Buffer</a:t>
+            </a:r>
+            <a:endParaRPr lang="zh-CN" altLang="en-US" sz="2000" b="1">
+              <a:solidFill>
+                <a:schemeClr val="bg2">
+                  <a:lumMod val="10000"/>
+                </a:schemeClr>
+              </a:solidFill>
+            </a:endParaRPr>
+          </a:p>
+        </p:txBody>
+      </p:sp>
+      <p:cxnSp>
+        <p:nvCxnSpPr>
+          <p:cNvPr id="58" name="直接箭头连接符 57">
+            <a:extLst>
+              <a:ext uri="{FF2B5EF4-FFF2-40B4-BE49-F238E27FC236}">
+                <a16:creationId xmlns:a16="http://schemas.microsoft.com/office/drawing/2014/main" id="{5F542FE9-DC47-43F1-B044-C10BEEC65DA7}"/>
+              </a:ext>
+            </a:extLst>
+          </p:cNvPr>
+          <p:cNvCxnSpPr>
+            <a:cxnSpLocks/>
+          </p:cNvCxnSpPr>
+          <p:nvPr/>
+        </p:nvCxnSpPr>
+        <p:spPr>
+          <a:xfrm>
+            <a:off x="3784643" y="5206625"/>
+            <a:ext cx="505551" cy="0"/>
+          </a:xfrm>
+          <a:prstGeom prst="straightConnector1">
+            <a:avLst/>
+          </a:prstGeom>
+          <a:ln w="38100">
+            <a:solidFill>
+              <a:schemeClr val="tx1"/>
+            </a:solidFill>
+            <a:tailEnd type="triangle"/>
+          </a:ln>
+        </p:spPr>
+        <p:style>
+          <a:lnRef idx="1">
+            <a:schemeClr val="accent1"/>
+          </a:lnRef>
+          <a:fillRef idx="0">
+            <a:schemeClr val="accent1"/>
+          </a:fillRef>
+          <a:effectRef idx="0">
+            <a:schemeClr val="accent1"/>
+          </a:effectRef>
+          <a:fontRef idx="minor">
+            <a:schemeClr val="tx1"/>
+          </a:fontRef>
+        </p:style>
+      </p:cxnSp>
+      <p:cxnSp>
+        <p:nvCxnSpPr>
+          <p:cNvPr id="60" name="直接箭头连接符 59">
+            <a:extLst>
+              <a:ext uri="{FF2B5EF4-FFF2-40B4-BE49-F238E27FC236}">
+                <a16:creationId xmlns:a16="http://schemas.microsoft.com/office/drawing/2014/main" id="{44BDD577-C0EF-4AF9-9763-ED6F0F29125D}"/>
+              </a:ext>
+            </a:extLst>
+          </p:cNvPr>
+          <p:cNvCxnSpPr>
+            <a:cxnSpLocks/>
+          </p:cNvCxnSpPr>
+          <p:nvPr/>
+        </p:nvCxnSpPr>
+        <p:spPr>
+          <a:xfrm flipH="1">
+            <a:off x="3765217" y="4809057"/>
+            <a:ext cx="505551" cy="0"/>
+          </a:xfrm>
+          <a:prstGeom prst="straightConnector1">
+            <a:avLst/>
+          </a:prstGeom>
+          <a:ln w="38100">
+            <a:solidFill>
+              <a:schemeClr val="tx1"/>
+            </a:solidFill>
+            <a:tailEnd type="triangle"/>
+          </a:ln>
+        </p:spPr>
+        <p:style>
+          <a:lnRef idx="1">
+            <a:schemeClr val="accent1"/>
+          </a:lnRef>
+          <a:fillRef idx="0">
+            <a:schemeClr val="accent1"/>
+          </a:fillRef>
+          <a:effectRef idx="0">
+            <a:schemeClr val="accent1"/>
+          </a:effectRef>
+          <a:fontRef idx="minor">
+            <a:schemeClr val="tx1"/>
+          </a:fontRef>
+        </p:style>
+      </p:cxnSp>
+      <p:cxnSp>
+        <p:nvCxnSpPr>
+          <p:cNvPr id="62" name="直接箭头连接符 61">
+            <a:extLst>
+              <a:ext uri="{FF2B5EF4-FFF2-40B4-BE49-F238E27FC236}">
+                <a16:creationId xmlns:a16="http://schemas.microsoft.com/office/drawing/2014/main" id="{9C092C61-E06F-4EC4-B21F-4A7424AD4978}"/>
+              </a:ext>
+            </a:extLst>
+          </p:cNvPr>
+          <p:cNvCxnSpPr>
+            <a:cxnSpLocks/>
+          </p:cNvCxnSpPr>
+          <p:nvPr/>
+        </p:nvCxnSpPr>
+        <p:spPr>
+          <a:xfrm>
+            <a:off x="7624527" y="5100576"/>
+            <a:ext cx="505551" cy="0"/>
+          </a:xfrm>
+          <a:prstGeom prst="straightConnector1">
+            <a:avLst/>
+          </a:prstGeom>
+          <a:ln w="38100">
+            <a:solidFill>
+              <a:schemeClr val="tx1"/>
+            </a:solidFill>
+            <a:tailEnd type="triangle"/>
+          </a:ln>
+        </p:spPr>
+        <p:style>
+          <a:lnRef idx="1">
+            <a:schemeClr val="accent1"/>
+          </a:lnRef>
+          <a:fillRef idx="0">
+            <a:schemeClr val="accent1"/>
+          </a:fillRef>
+          <a:effectRef idx="0">
+            <a:schemeClr val="accent1"/>
+          </a:effectRef>
+          <a:fontRef idx="minor">
+            <a:schemeClr val="tx1"/>
+          </a:fontRef>
+        </p:style>
+      </p:cxnSp>
+      <p:cxnSp>
+        <p:nvCxnSpPr>
+          <p:cNvPr id="63" name="直接箭头连接符 62">
+            <a:extLst>
+              <a:ext uri="{FF2B5EF4-FFF2-40B4-BE49-F238E27FC236}">
+                <a16:creationId xmlns:a16="http://schemas.microsoft.com/office/drawing/2014/main" id="{8A5B117C-6861-4A09-81B6-92E4D4685892}"/>
+              </a:ext>
+            </a:extLst>
+          </p:cNvPr>
+          <p:cNvCxnSpPr>
+            <a:cxnSpLocks/>
+          </p:cNvCxnSpPr>
+          <p:nvPr/>
+        </p:nvCxnSpPr>
+        <p:spPr>
+          <a:xfrm flipH="1">
+            <a:off x="7624527" y="4818046"/>
+            <a:ext cx="505551" cy="0"/>
+          </a:xfrm>
+          <a:prstGeom prst="straightConnector1">
+            <a:avLst/>
+          </a:prstGeom>
+          <a:ln w="38100">
+            <a:solidFill>
+              <a:schemeClr val="tx1"/>
+            </a:solidFill>
+            <a:tailEnd type="triangle"/>
+          </a:ln>
+        </p:spPr>
+        <p:style>
+          <a:lnRef idx="1">
+            <a:schemeClr val="accent1"/>
+          </a:lnRef>
+          <a:fillRef idx="0">
+            <a:schemeClr val="accent1"/>
+          </a:fillRef>
+          <a:effectRef idx="0">
+            <a:schemeClr val="accent1"/>
+          </a:effectRef>
+          <a:fontRef idx="minor">
+            <a:schemeClr val="tx1"/>
+          </a:fontRef>
+        </p:style>
+      </p:cxnSp>
+    </p:spTree>
+    <p:extLst>
+      <p:ext uri="{BB962C8B-B14F-4D97-AF65-F5344CB8AC3E}">
+        <p14:creationId xmlns:p14="http://schemas.microsoft.com/office/powerpoint/2010/main" val="490502648"/>
+      </p:ext>
+    </p:extLst>
+  </p:cSld>
+  <p:clrMapOvr>
+    <a:masterClrMapping/>
+  </p:clrMapOvr>
+</p:sld>
+</file>
+
+<file path=ppt/slides/slide14.xml><?xml version="1.0" encoding="utf-8"?>
+<p:sld xmlns:a="http://schemas.openxmlformats.org/drawingml/2006/main" xmlns:r="http://schemas.openxmlformats.org/officeDocument/2006/relationships" xmlns:p="http://schemas.openxmlformats.org/presentationml/2006/main">
+  <p:cSld>
+    <p:spTree>
+      <p:nvGrpSpPr>
+        <p:cNvPr id="1" name=""/>
+        <p:cNvGrpSpPr/>
+        <p:nvPr/>
+      </p:nvGrpSpPr>
+      <p:grpSpPr>
+        <a:xfrm>
+          <a:off x="0" y="0"/>
+          <a:ext cx="0" cy="0"/>
+          <a:chOff x="0" y="0"/>
+          <a:chExt cx="0" cy="0"/>
+        </a:xfrm>
+      </p:grpSpPr>
+      <p:sp>
+        <p:nvSpPr>
+          <p:cNvPr id="98" name="文本框 97">
+            <a:extLst>
+              <a:ext uri="{FF2B5EF4-FFF2-40B4-BE49-F238E27FC236}">
+                <a16:creationId xmlns:a16="http://schemas.microsoft.com/office/drawing/2014/main" id="{F52432F9-1EAE-463D-AAF9-DE9E0F9A544B}"/>
+              </a:ext>
+            </a:extLst>
+          </p:cNvPr>
+          <p:cNvSpPr txBox="1"/>
+          <p:nvPr/>
+        </p:nvSpPr>
+        <p:spPr>
+          <a:xfrm>
+            <a:off x="428625" y="262623"/>
+            <a:ext cx="1914525" cy="584775"/>
+          </a:xfrm>
+          <a:prstGeom prst="rect">
+            <a:avLst/>
+          </a:prstGeom>
+          <a:noFill/>
+        </p:spPr>
+        <p:txBody>
+          <a:bodyPr wrap="square" rtlCol="0">
+            <a:spAutoFit/>
+          </a:bodyPr>
+          <a:lstStyle/>
+          <a:p>
+            <a:r>
+              <a:rPr lang="en-US" altLang="zh-CN" sz="3200"/>
+              <a:t>Selector</a:t>
+            </a:r>
+            <a:endParaRPr lang="zh-CN" altLang="en-US" sz="3200"/>
+          </a:p>
+        </p:txBody>
+      </p:sp>
+      <p:sp>
+        <p:nvSpPr>
+          <p:cNvPr id="8" name="矩形: 圆角 7">
+            <a:extLst>
+              <a:ext uri="{FF2B5EF4-FFF2-40B4-BE49-F238E27FC236}">
+                <a16:creationId xmlns:a16="http://schemas.microsoft.com/office/drawing/2014/main" id="{BD76CC43-BD0A-4F6A-957A-C7367438851A}"/>
+              </a:ext>
+            </a:extLst>
+          </p:cNvPr>
+          <p:cNvSpPr/>
+          <p:nvPr/>
+        </p:nvSpPr>
+        <p:spPr>
+          <a:xfrm>
+            <a:off x="8870727" y="1756963"/>
+            <a:ext cx="1743075" cy="1014413"/>
+          </a:xfrm>
+          <a:prstGeom prst="roundRect">
+            <a:avLst/>
+          </a:prstGeom>
+          <a:solidFill>
+            <a:srgbClr val="92D050"/>
+          </a:solidFill>
+          <a:ln w="28575">
+            <a:noFill/>
+          </a:ln>
+        </p:spPr>
+        <p:style>
+          <a:lnRef idx="1">
+            <a:schemeClr val="accent4"/>
+          </a:lnRef>
+          <a:fillRef idx="2">
+            <a:schemeClr val="accent4"/>
+          </a:fillRef>
+          <a:effectRef idx="1">
+            <a:schemeClr val="accent4"/>
+          </a:effectRef>
+          <a:fontRef idx="minor">
+            <a:schemeClr val="dk1"/>
+          </a:fontRef>
+        </p:style>
+        <p:txBody>
+          <a:bodyPr rtlCol="0" anchor="ctr"/>
+          <a:lstStyle/>
+          <a:p>
+            <a:pPr algn="ctr"/>
+            <a:r>
+              <a:rPr lang="en-US" altLang="zh-CN" b="1">
+                <a:solidFill>
+                  <a:schemeClr val="bg2">
+                    <a:lumMod val="10000"/>
+                  </a:schemeClr>
+                </a:solidFill>
+              </a:rPr>
+              <a:t>Channel</a:t>
+            </a:r>
+            <a:endParaRPr lang="zh-CN" altLang="en-US" b="1">
+              <a:solidFill>
+                <a:schemeClr val="bg2">
+                  <a:lumMod val="10000"/>
+                </a:schemeClr>
+              </a:solidFill>
+            </a:endParaRPr>
+          </a:p>
+        </p:txBody>
+      </p:sp>
+      <p:sp>
+        <p:nvSpPr>
+          <p:cNvPr id="9" name="矩形: 圆角 8">
+            <a:extLst>
+              <a:ext uri="{FF2B5EF4-FFF2-40B4-BE49-F238E27FC236}">
+                <a16:creationId xmlns:a16="http://schemas.microsoft.com/office/drawing/2014/main" id="{93EE1E4A-594A-4D48-B57A-9F17CC248489}"/>
+              </a:ext>
+            </a:extLst>
+          </p:cNvPr>
+          <p:cNvSpPr/>
+          <p:nvPr/>
+        </p:nvSpPr>
+        <p:spPr>
+          <a:xfrm>
+            <a:off x="8870725" y="3071414"/>
+            <a:ext cx="1743075" cy="1014413"/>
+          </a:xfrm>
+          <a:prstGeom prst="roundRect">
+            <a:avLst/>
+          </a:prstGeom>
+          <a:solidFill>
+            <a:srgbClr val="92D050"/>
+          </a:solidFill>
+          <a:ln w="28575">
+            <a:noFill/>
+          </a:ln>
+        </p:spPr>
+        <p:style>
+          <a:lnRef idx="1">
+            <a:schemeClr val="accent4"/>
+          </a:lnRef>
+          <a:fillRef idx="2">
+            <a:schemeClr val="accent4"/>
+          </a:fillRef>
+          <a:effectRef idx="1">
+            <a:schemeClr val="accent4"/>
+          </a:effectRef>
+          <a:fontRef idx="minor">
+            <a:schemeClr val="dk1"/>
+          </a:fontRef>
+        </p:style>
+        <p:txBody>
+          <a:bodyPr rtlCol="0" anchor="ctr"/>
+          <a:lstStyle/>
+          <a:p>
+            <a:pPr algn="ctr"/>
+            <a:r>
+              <a:rPr lang="en-US" altLang="zh-CN" b="1">
+                <a:solidFill>
+                  <a:schemeClr val="bg2">
+                    <a:lumMod val="10000"/>
+                  </a:schemeClr>
+                </a:solidFill>
+              </a:rPr>
+              <a:t>Channel</a:t>
+            </a:r>
+            <a:endParaRPr lang="zh-CN" altLang="en-US" b="1">
+              <a:solidFill>
+                <a:schemeClr val="bg2">
+                  <a:lumMod val="10000"/>
+                </a:schemeClr>
+              </a:solidFill>
+            </a:endParaRPr>
+          </a:p>
+        </p:txBody>
+      </p:sp>
+      <p:sp>
+        <p:nvSpPr>
+          <p:cNvPr id="10" name="矩形: 圆角 9">
+            <a:extLst>
+              <a:ext uri="{FF2B5EF4-FFF2-40B4-BE49-F238E27FC236}">
+                <a16:creationId xmlns:a16="http://schemas.microsoft.com/office/drawing/2014/main" id="{7F952D6C-B4E8-4D8B-A4ED-1DC4AF3ED9AB}"/>
+              </a:ext>
+            </a:extLst>
+          </p:cNvPr>
+          <p:cNvSpPr/>
+          <p:nvPr/>
+        </p:nvSpPr>
+        <p:spPr>
+          <a:xfrm>
+            <a:off x="8870725" y="4385865"/>
+            <a:ext cx="1743075" cy="1014413"/>
+          </a:xfrm>
+          <a:prstGeom prst="roundRect">
+            <a:avLst/>
+          </a:prstGeom>
+          <a:solidFill>
+            <a:srgbClr val="92D050"/>
+          </a:solidFill>
+          <a:ln w="28575">
+            <a:noFill/>
+          </a:ln>
+        </p:spPr>
+        <p:style>
+          <a:lnRef idx="1">
+            <a:schemeClr val="accent4"/>
+          </a:lnRef>
+          <a:fillRef idx="2">
+            <a:schemeClr val="accent4"/>
+          </a:fillRef>
+          <a:effectRef idx="1">
+            <a:schemeClr val="accent4"/>
+          </a:effectRef>
+          <a:fontRef idx="minor">
+            <a:schemeClr val="dk1"/>
+          </a:fontRef>
+        </p:style>
+        <p:txBody>
+          <a:bodyPr rtlCol="0" anchor="ctr"/>
+          <a:lstStyle/>
+          <a:p>
+            <a:pPr algn="ctr"/>
+            <a:r>
+              <a:rPr lang="en-US" altLang="zh-CN" b="1">
+                <a:solidFill>
+                  <a:schemeClr val="bg2">
+                    <a:lumMod val="10000"/>
+                  </a:schemeClr>
+                </a:solidFill>
+              </a:rPr>
+              <a:t>Channel</a:t>
+            </a:r>
+            <a:endParaRPr lang="zh-CN" altLang="en-US" b="1">
+              <a:solidFill>
+                <a:schemeClr val="bg2">
+                  <a:lumMod val="10000"/>
+                </a:schemeClr>
+              </a:solidFill>
+            </a:endParaRPr>
+          </a:p>
+        </p:txBody>
+      </p:sp>
+      <p:cxnSp>
+        <p:nvCxnSpPr>
+          <p:cNvPr id="4" name="连接符: 肘形 3">
+            <a:extLst>
+              <a:ext uri="{FF2B5EF4-FFF2-40B4-BE49-F238E27FC236}">
+                <a16:creationId xmlns:a16="http://schemas.microsoft.com/office/drawing/2014/main" id="{65FEC831-01F5-439F-85DB-0417A3670D07}"/>
+              </a:ext>
+            </a:extLst>
+          </p:cNvPr>
+          <p:cNvCxnSpPr>
+            <a:cxnSpLocks/>
+            <a:stCxn id="8" idx="1"/>
+            <a:endCxn id="7" idx="3"/>
+          </p:cNvCxnSpPr>
+          <p:nvPr/>
+        </p:nvCxnSpPr>
+        <p:spPr>
+          <a:xfrm rot="10800000" flipV="1">
+            <a:off x="6589487" y="2264170"/>
+            <a:ext cx="2281240" cy="1314850"/>
+          </a:xfrm>
+          <a:prstGeom prst="bentConnector3">
+            <a:avLst>
+              <a:gd name="adj1" fmla="val 60727"/>
+            </a:avLst>
+          </a:prstGeom>
+          <a:ln w="38100"/>
+        </p:spPr>
+        <p:style>
+          <a:lnRef idx="1">
+            <a:schemeClr val="accent1"/>
+          </a:lnRef>
+          <a:fillRef idx="0">
+            <a:schemeClr val="accent1"/>
+          </a:fillRef>
+          <a:effectRef idx="0">
+            <a:schemeClr val="accent1"/>
+          </a:effectRef>
+          <a:fontRef idx="minor">
+            <a:schemeClr val="tx1"/>
+          </a:fontRef>
+        </p:style>
+      </p:cxnSp>
+      <p:cxnSp>
+        <p:nvCxnSpPr>
+          <p:cNvPr id="14" name="连接符: 肘形 13">
+            <a:extLst>
+              <a:ext uri="{FF2B5EF4-FFF2-40B4-BE49-F238E27FC236}">
+                <a16:creationId xmlns:a16="http://schemas.microsoft.com/office/drawing/2014/main" id="{D1096BBB-0F12-4F9B-B7F7-3AD96F4B4353}"/>
+              </a:ext>
+            </a:extLst>
+          </p:cNvPr>
+          <p:cNvCxnSpPr>
+            <a:cxnSpLocks/>
+            <a:stCxn id="9" idx="1"/>
+          </p:cNvCxnSpPr>
+          <p:nvPr/>
+        </p:nvCxnSpPr>
+        <p:spPr>
+          <a:xfrm rot="10800000" flipV="1">
+            <a:off x="6620193" y="3578620"/>
+            <a:ext cx="2250532" cy="1"/>
+          </a:xfrm>
+          <a:prstGeom prst="bentConnector3">
+            <a:avLst>
+              <a:gd name="adj1" fmla="val 50000"/>
+            </a:avLst>
+          </a:prstGeom>
+          <a:ln w="38100"/>
+        </p:spPr>
+        <p:style>
+          <a:lnRef idx="1">
+            <a:schemeClr val="accent1"/>
+          </a:lnRef>
+          <a:fillRef idx="0">
+            <a:schemeClr val="accent1"/>
+          </a:fillRef>
+          <a:effectRef idx="0">
+            <a:schemeClr val="accent1"/>
+          </a:effectRef>
+          <a:fontRef idx="minor">
+            <a:schemeClr val="tx1"/>
+          </a:fontRef>
+        </p:style>
+      </p:cxnSp>
+      <p:cxnSp>
+        <p:nvCxnSpPr>
+          <p:cNvPr id="22" name="连接符: 肘形 21">
+            <a:extLst>
+              <a:ext uri="{FF2B5EF4-FFF2-40B4-BE49-F238E27FC236}">
+                <a16:creationId xmlns:a16="http://schemas.microsoft.com/office/drawing/2014/main" id="{321A14C6-B904-4362-A45E-92E0EDFE23ED}"/>
+              </a:ext>
+            </a:extLst>
+          </p:cNvPr>
+          <p:cNvCxnSpPr>
+            <a:cxnSpLocks/>
+            <a:stCxn id="10" idx="1"/>
+            <a:endCxn id="7" idx="3"/>
+          </p:cNvCxnSpPr>
+          <p:nvPr/>
+        </p:nvCxnSpPr>
+        <p:spPr>
+          <a:xfrm rot="10800000">
+            <a:off x="6589487" y="3579020"/>
+            <a:ext cx="2281238" cy="1314052"/>
+          </a:xfrm>
+          <a:prstGeom prst="bentConnector3">
+            <a:avLst>
+              <a:gd name="adj1" fmla="val 60162"/>
+            </a:avLst>
+          </a:prstGeom>
+          <a:ln w="38100"/>
+        </p:spPr>
+        <p:style>
+          <a:lnRef idx="1">
+            <a:schemeClr val="accent1"/>
+          </a:lnRef>
+          <a:fillRef idx="0">
+            <a:schemeClr val="accent1"/>
+          </a:fillRef>
+          <a:effectRef idx="0">
+            <a:schemeClr val="accent1"/>
+          </a:effectRef>
+          <a:fontRef idx="minor">
+            <a:schemeClr val="tx1"/>
+          </a:fontRef>
+        </p:style>
+      </p:cxnSp>
+      <p:cxnSp>
+        <p:nvCxnSpPr>
+          <p:cNvPr id="31" name="直接连接符 30">
+            <a:extLst>
+              <a:ext uri="{FF2B5EF4-FFF2-40B4-BE49-F238E27FC236}">
+                <a16:creationId xmlns:a16="http://schemas.microsoft.com/office/drawing/2014/main" id="{DF265E86-9844-4702-9AF6-5DA23430999C}"/>
+              </a:ext>
+            </a:extLst>
+          </p:cNvPr>
+          <p:cNvCxnSpPr>
+            <a:cxnSpLocks/>
+            <a:stCxn id="27" idx="3"/>
+            <a:endCxn id="7" idx="1"/>
+          </p:cNvCxnSpPr>
+          <p:nvPr/>
+        </p:nvCxnSpPr>
+        <p:spPr>
+          <a:xfrm>
+            <a:off x="4362451" y="3579019"/>
+            <a:ext cx="917887" cy="1"/>
+          </a:xfrm>
+          <a:prstGeom prst="line">
+            <a:avLst/>
+          </a:prstGeom>
+          <a:ln w="38100"/>
+        </p:spPr>
+        <p:style>
+          <a:lnRef idx="1">
+            <a:schemeClr val="accent1"/>
+          </a:lnRef>
+          <a:fillRef idx="0">
+            <a:schemeClr val="accent1"/>
+          </a:fillRef>
+          <a:effectRef idx="0">
+            <a:schemeClr val="accent1"/>
+          </a:effectRef>
+          <a:fontRef idx="minor">
+            <a:schemeClr val="tx1"/>
+          </a:fontRef>
+        </p:style>
+      </p:cxnSp>
+      <p:sp>
+        <p:nvSpPr>
+          <p:cNvPr id="7" name="矩形: 圆角 6">
+            <a:extLst>
+              <a:ext uri="{FF2B5EF4-FFF2-40B4-BE49-F238E27FC236}">
+                <a16:creationId xmlns:a16="http://schemas.microsoft.com/office/drawing/2014/main" id="{022C77B5-4F18-473E-A6CE-AFA20BF1EC93}"/>
+              </a:ext>
+            </a:extLst>
+          </p:cNvPr>
+          <p:cNvSpPr/>
+          <p:nvPr/>
+        </p:nvSpPr>
+        <p:spPr>
+          <a:xfrm>
+            <a:off x="5280338" y="3071813"/>
+            <a:ext cx="1309149" cy="1014413"/>
+          </a:xfrm>
+          <a:prstGeom prst="roundRect">
+            <a:avLst/>
+          </a:prstGeom>
+          <a:solidFill>
+            <a:srgbClr val="FF9966"/>
+          </a:solidFill>
+          <a:ln w="28575">
+            <a:noFill/>
+          </a:ln>
+        </p:spPr>
+        <p:style>
+          <a:lnRef idx="1">
+            <a:schemeClr val="accent4"/>
+          </a:lnRef>
+          <a:fillRef idx="2">
+            <a:schemeClr val="accent4"/>
+          </a:fillRef>
+          <a:effectRef idx="1">
+            <a:schemeClr val="accent4"/>
+          </a:effectRef>
+          <a:fontRef idx="minor">
+            <a:schemeClr val="dk1"/>
+          </a:fontRef>
+        </p:style>
+        <p:txBody>
+          <a:bodyPr rtlCol="0" anchor="ctr"/>
+          <a:lstStyle/>
+          <a:p>
+            <a:pPr algn="ctr"/>
+            <a:r>
+              <a:rPr lang="en-US" altLang="zh-CN" b="1">
+                <a:solidFill>
+                  <a:schemeClr val="bg2">
+                    <a:lumMod val="10000"/>
+                  </a:schemeClr>
+                </a:solidFill>
+              </a:rPr>
+              <a:t>Selector</a:t>
+            </a:r>
+            <a:endParaRPr lang="zh-CN" altLang="en-US" b="1">
+              <a:solidFill>
+                <a:schemeClr val="bg2">
+                  <a:lumMod val="10000"/>
+                </a:schemeClr>
+              </a:solidFill>
+            </a:endParaRPr>
+          </a:p>
+        </p:txBody>
+      </p:sp>
+      <p:sp>
+        <p:nvSpPr>
+          <p:cNvPr id="27" name="矩形: 圆角 26">
+            <a:extLst>
+              <a:ext uri="{FF2B5EF4-FFF2-40B4-BE49-F238E27FC236}">
+                <a16:creationId xmlns:a16="http://schemas.microsoft.com/office/drawing/2014/main" id="{67F645B1-4980-41C7-BE1D-B201C413A315}"/>
+              </a:ext>
+            </a:extLst>
+          </p:cNvPr>
+          <p:cNvSpPr/>
+          <p:nvPr/>
+        </p:nvSpPr>
+        <p:spPr>
+          <a:xfrm>
+            <a:off x="3053302" y="3071812"/>
+            <a:ext cx="1309149" cy="1014413"/>
+          </a:xfrm>
+          <a:prstGeom prst="roundRect">
+            <a:avLst/>
+          </a:prstGeom>
+          <a:solidFill>
+            <a:schemeClr val="accent4">
+              <a:lumMod val="60000"/>
+              <a:lumOff val="40000"/>
+            </a:schemeClr>
+          </a:solidFill>
+          <a:ln w="28575">
+            <a:noFill/>
+          </a:ln>
+        </p:spPr>
+        <p:style>
+          <a:lnRef idx="1">
+            <a:schemeClr val="accent4"/>
+          </a:lnRef>
+          <a:fillRef idx="2">
+            <a:schemeClr val="accent4"/>
+          </a:fillRef>
+          <a:effectRef idx="1">
+            <a:schemeClr val="accent4"/>
+          </a:effectRef>
+          <a:fontRef idx="minor">
+            <a:schemeClr val="dk1"/>
+          </a:fontRef>
+        </p:style>
+        <p:txBody>
+          <a:bodyPr rtlCol="0" anchor="ctr"/>
+          <a:lstStyle/>
+          <a:p>
+            <a:pPr algn="ctr"/>
+            <a:r>
+              <a:rPr lang="en-US" altLang="zh-CN" b="1">
+                <a:solidFill>
+                  <a:schemeClr val="bg2">
+                    <a:lumMod val="10000"/>
+                  </a:schemeClr>
+                </a:solidFill>
+              </a:rPr>
+              <a:t>Thread</a:t>
+            </a:r>
+            <a:endParaRPr lang="zh-CN" altLang="en-US" b="1">
+              <a:solidFill>
+                <a:schemeClr val="bg2">
+                  <a:lumMod val="10000"/>
+                </a:schemeClr>
+              </a:solidFill>
+            </a:endParaRPr>
+          </a:p>
+        </p:txBody>
+      </p:sp>
+      <p:sp>
+        <p:nvSpPr>
+          <p:cNvPr id="37" name="文本框 36">
+            <a:extLst>
+              <a:ext uri="{FF2B5EF4-FFF2-40B4-BE49-F238E27FC236}">
+                <a16:creationId xmlns:a16="http://schemas.microsoft.com/office/drawing/2014/main" id="{FC54B5F2-D88E-4833-B932-225C31861B27}"/>
+              </a:ext>
+            </a:extLst>
+          </p:cNvPr>
+          <p:cNvSpPr txBox="1"/>
+          <p:nvPr/>
+        </p:nvSpPr>
+        <p:spPr>
+          <a:xfrm>
+            <a:off x="6643689" y="3285545"/>
+            <a:ext cx="759185" cy="307777"/>
+          </a:xfrm>
+          <a:prstGeom prst="rect">
+            <a:avLst/>
+          </a:prstGeom>
+          <a:noFill/>
+        </p:spPr>
+        <p:txBody>
+          <a:bodyPr wrap="square" rtlCol="0">
+            <a:spAutoFit/>
+          </a:bodyPr>
+          <a:lstStyle/>
+          <a:p>
+            <a:r>
+              <a:rPr lang="en-US" altLang="zh-CN" sz="1400" b="1"/>
+              <a:t>Select()</a:t>
+            </a:r>
+            <a:endParaRPr lang="zh-CN" altLang="en-US" sz="1400" b="1"/>
+          </a:p>
+        </p:txBody>
+      </p:sp>
+      <p:sp>
+        <p:nvSpPr>
+          <p:cNvPr id="41" name="矩形 40">
+            <a:extLst>
+              <a:ext uri="{FF2B5EF4-FFF2-40B4-BE49-F238E27FC236}">
+                <a16:creationId xmlns:a16="http://schemas.microsoft.com/office/drawing/2014/main" id="{DA0A603C-8EBB-45D4-AC9B-217A893989A4}"/>
+              </a:ext>
+            </a:extLst>
+          </p:cNvPr>
+          <p:cNvSpPr/>
+          <p:nvPr/>
+        </p:nvSpPr>
+        <p:spPr>
+          <a:xfrm>
+            <a:off x="7569346" y="2029039"/>
+            <a:ext cx="1413913" cy="276999"/>
+          </a:xfrm>
+          <a:prstGeom prst="rect">
+            <a:avLst/>
+          </a:prstGeom>
+        </p:spPr>
+        <p:txBody>
+          <a:bodyPr wrap="none">
+            <a:spAutoFit/>
+          </a:bodyPr>
+          <a:lstStyle/>
+          <a:p>
+            <a:r>
+              <a:rPr lang="zh-CN" altLang="en-US" sz="1200" b="1"/>
+              <a:t>注册OP_READ事件</a:t>
+            </a:r>
+          </a:p>
+        </p:txBody>
+      </p:sp>
+      <p:sp>
+        <p:nvSpPr>
+          <p:cNvPr id="49" name="矩形 48">
+            <a:extLst>
+              <a:ext uri="{FF2B5EF4-FFF2-40B4-BE49-F238E27FC236}">
+                <a16:creationId xmlns:a16="http://schemas.microsoft.com/office/drawing/2014/main" id="{A6DFCE16-80D0-493C-84E7-870D9335FFD3}"/>
+              </a:ext>
+            </a:extLst>
+          </p:cNvPr>
+          <p:cNvSpPr/>
+          <p:nvPr/>
+        </p:nvSpPr>
+        <p:spPr>
+          <a:xfrm>
+            <a:off x="7487518" y="3326277"/>
+            <a:ext cx="1483098" cy="276999"/>
+          </a:xfrm>
+          <a:prstGeom prst="rect">
+            <a:avLst/>
+          </a:prstGeom>
+        </p:spPr>
+        <p:txBody>
+          <a:bodyPr wrap="none">
+            <a:spAutoFit/>
+          </a:bodyPr>
+          <a:lstStyle/>
+          <a:p>
+            <a:r>
+              <a:rPr lang="zh-CN" altLang="en-US" sz="1200" b="1"/>
+              <a:t>注册OP_</a:t>
+            </a:r>
+            <a:r>
+              <a:rPr lang="en-US" altLang="zh-CN" sz="1200" b="1"/>
+              <a:t>WRITE</a:t>
+            </a:r>
+            <a:r>
+              <a:rPr lang="zh-CN" altLang="en-US" sz="1200" b="1"/>
+              <a:t>事件</a:t>
+            </a:r>
+          </a:p>
+        </p:txBody>
+      </p:sp>
+      <p:sp>
+        <p:nvSpPr>
+          <p:cNvPr id="50" name="矩形 49">
+            <a:extLst>
+              <a:ext uri="{FF2B5EF4-FFF2-40B4-BE49-F238E27FC236}">
+                <a16:creationId xmlns:a16="http://schemas.microsoft.com/office/drawing/2014/main" id="{D797D5D0-07E4-4A04-9F52-A57C248DCFCE}"/>
+              </a:ext>
+            </a:extLst>
+          </p:cNvPr>
+          <p:cNvSpPr/>
+          <p:nvPr/>
+        </p:nvSpPr>
+        <p:spPr>
+          <a:xfrm>
+            <a:off x="7288168" y="4888148"/>
+            <a:ext cx="1682448" cy="276999"/>
+          </a:xfrm>
+          <a:prstGeom prst="rect">
+            <a:avLst/>
+          </a:prstGeom>
+        </p:spPr>
+        <p:txBody>
+          <a:bodyPr wrap="none">
+            <a:spAutoFit/>
+          </a:bodyPr>
+          <a:lstStyle/>
+          <a:p>
+            <a:r>
+              <a:rPr lang="zh-CN" altLang="en-US" sz="1200" b="1"/>
+              <a:t>注册OP_</a:t>
+            </a:r>
+            <a:r>
+              <a:rPr lang="en-US" altLang="zh-CN" sz="1200" b="1"/>
+              <a:t>CONNECT</a:t>
+            </a:r>
+            <a:r>
+              <a:rPr lang="zh-CN" altLang="en-US" sz="1200" b="1"/>
+              <a:t>事件</a:t>
+            </a:r>
+          </a:p>
+        </p:txBody>
+      </p:sp>
+      <p:sp>
+        <p:nvSpPr>
+          <p:cNvPr id="58" name="矩形 57">
+            <a:extLst>
+              <a:ext uri="{FF2B5EF4-FFF2-40B4-BE49-F238E27FC236}">
+                <a16:creationId xmlns:a16="http://schemas.microsoft.com/office/drawing/2014/main" id="{7647A4E4-49A5-4FC6-9201-F36E34F79A4B}"/>
+              </a:ext>
+            </a:extLst>
+          </p:cNvPr>
+          <p:cNvSpPr/>
+          <p:nvPr/>
+        </p:nvSpPr>
+        <p:spPr>
+          <a:xfrm>
+            <a:off x="7517615" y="4635405"/>
+            <a:ext cx="1483098" cy="276999"/>
+          </a:xfrm>
+          <a:prstGeom prst="rect">
+            <a:avLst/>
+          </a:prstGeom>
+        </p:spPr>
+        <p:txBody>
+          <a:bodyPr wrap="none">
+            <a:spAutoFit/>
+          </a:bodyPr>
+          <a:lstStyle/>
+          <a:p>
+            <a:r>
+              <a:rPr lang="zh-CN" altLang="en-US" sz="1200" b="1"/>
+              <a:t>注册OP_ READ事件</a:t>
+            </a:r>
+          </a:p>
+        </p:txBody>
+      </p:sp>
+    </p:spTree>
+    <p:extLst>
+      <p:ext uri="{BB962C8B-B14F-4D97-AF65-F5344CB8AC3E}">
+        <p14:creationId xmlns:p14="http://schemas.microsoft.com/office/powerpoint/2010/main" val="2702515348"/>
       </p:ext>
     </p:extLst>
   </p:cSld>
@@ -6098,14 +7661,14 @@
             <a:lstStyle/>
             <a:p>
               <a:r>
-                <a:rPr lang="en-US" altLang="zh-CN" b="1" dirty="0">
+                <a:rPr lang="en-US" altLang="zh-CN" b="1">
                   <a:solidFill>
                     <a:schemeClr val="accent5"/>
                   </a:solidFill>
                 </a:rPr>
                 <a:t>capacity</a:t>
               </a:r>
-              <a:endParaRPr lang="zh-CN" altLang="en-US" b="1" dirty="0">
+              <a:endParaRPr lang="zh-CN" altLang="en-US" b="1">
                 <a:solidFill>
                   <a:schemeClr val="accent5"/>
                 </a:solidFill>
@@ -6202,14 +7765,14 @@
             <a:lstStyle/>
             <a:p>
               <a:r>
-                <a:rPr lang="en-US" altLang="zh-CN" b="1" dirty="0">
+                <a:rPr lang="en-US" altLang="zh-CN" b="1">
                   <a:solidFill>
                     <a:schemeClr val="accent5"/>
                   </a:solidFill>
                 </a:rPr>
                 <a:t>position</a:t>
               </a:r>
-              <a:endParaRPr lang="zh-CN" altLang="en-US" b="1" dirty="0">
+              <a:endParaRPr lang="zh-CN" altLang="en-US" b="1">
                 <a:solidFill>
                   <a:schemeClr val="accent5"/>
                 </a:solidFill>
@@ -6288,14 +7851,14 @@
           <a:lstStyle/>
           <a:p>
             <a:r>
-              <a:rPr lang="en-US" altLang="zh-CN" b="1" dirty="0">
+              <a:rPr lang="en-US" altLang="zh-CN" b="1">
                 <a:solidFill>
                   <a:schemeClr val="accent5"/>
                 </a:solidFill>
               </a:rPr>
               <a:t>limit</a:t>
             </a:r>
-            <a:endParaRPr lang="zh-CN" altLang="en-US" b="1" dirty="0">
+            <a:endParaRPr lang="zh-CN" altLang="en-US" b="1">
               <a:solidFill>
                 <a:schemeClr val="accent5"/>
               </a:solidFill>
@@ -6332,10 +7895,10 @@
           <a:lstStyle/>
           <a:p>
             <a:r>
-              <a:rPr lang="en-US" altLang="zh-CN" sz="3600" dirty="0"/>
+              <a:rPr lang="en-US" altLang="zh-CN" sz="3600"/>
               <a:t>put</a:t>
             </a:r>
-            <a:endParaRPr lang="zh-CN" altLang="en-US" sz="3600" dirty="0"/>
+            <a:endParaRPr lang="zh-CN" altLang="en-US" sz="3600"/>
           </a:p>
         </p:txBody>
       </p:sp>
@@ -7012,14 +8575,14 @@
             <a:lstStyle/>
             <a:p>
               <a:r>
-                <a:rPr lang="en-US" altLang="zh-CN" b="1" dirty="0">
+                <a:rPr lang="en-US" altLang="zh-CN" b="1">
                   <a:solidFill>
                     <a:schemeClr val="accent5"/>
                   </a:solidFill>
                 </a:rPr>
                 <a:t>capacity</a:t>
               </a:r>
-              <a:endParaRPr lang="zh-CN" altLang="en-US" b="1" dirty="0">
+              <a:endParaRPr lang="zh-CN" altLang="en-US" b="1">
                 <a:solidFill>
                   <a:schemeClr val="accent5"/>
                 </a:solidFill>
@@ -7116,14 +8679,14 @@
             <a:lstStyle/>
             <a:p>
               <a:r>
-                <a:rPr lang="en-US" altLang="zh-CN" b="1" dirty="0">
+                <a:rPr lang="en-US" altLang="zh-CN" b="1">
                   <a:solidFill>
                     <a:schemeClr val="accent5"/>
                   </a:solidFill>
                 </a:rPr>
                 <a:t>position</a:t>
               </a:r>
-              <a:endParaRPr lang="zh-CN" altLang="en-US" b="1" dirty="0">
+              <a:endParaRPr lang="zh-CN" altLang="en-US" b="1">
                 <a:solidFill>
                   <a:schemeClr val="accent5"/>
                 </a:solidFill>
@@ -7161,10 +8724,10 @@
           <a:lstStyle/>
           <a:p>
             <a:r>
-              <a:rPr lang="en-US" altLang="zh-CN" sz="3600" dirty="0"/>
+              <a:rPr lang="en-US" altLang="zh-CN" sz="3600"/>
               <a:t>flip</a:t>
             </a:r>
-            <a:endParaRPr lang="zh-CN" altLang="en-US" sz="3600" dirty="0"/>
+            <a:endParaRPr lang="zh-CN" altLang="en-US" sz="3600"/>
           </a:p>
         </p:txBody>
       </p:sp>
@@ -7256,7 +8819,7 @@
             <a:lstStyle/>
             <a:p>
               <a:r>
-                <a:rPr lang="en-US" altLang="zh-CN" b="1" dirty="0">
+                <a:rPr lang="en-US" altLang="zh-CN" b="1">
                   <a:solidFill>
                     <a:schemeClr val="accent1">
                       <a:lumMod val="75000"/>
@@ -7265,7 +8828,7 @@
                 </a:rPr>
                 <a:t>    limit</a:t>
               </a:r>
-              <a:endParaRPr lang="zh-CN" altLang="en-US" b="1" dirty="0">
+              <a:endParaRPr lang="zh-CN" altLang="en-US" b="1">
                 <a:solidFill>
                   <a:schemeClr val="accent1">
                     <a:lumMod val="75000"/>
@@ -7949,14 +9512,14 @@
             <a:lstStyle/>
             <a:p>
               <a:r>
-                <a:rPr lang="en-US" altLang="zh-CN" b="1" dirty="0">
+                <a:rPr lang="en-US" altLang="zh-CN" b="1">
                   <a:solidFill>
                     <a:schemeClr val="accent5"/>
                   </a:solidFill>
                 </a:rPr>
                 <a:t>capacity</a:t>
               </a:r>
-              <a:endParaRPr lang="zh-CN" altLang="en-US" b="1" dirty="0">
+              <a:endParaRPr lang="zh-CN" altLang="en-US" b="1">
                 <a:solidFill>
                   <a:schemeClr val="accent5"/>
                 </a:solidFill>
@@ -8053,14 +9616,14 @@
             <a:lstStyle/>
             <a:p>
               <a:r>
-                <a:rPr lang="en-US" altLang="zh-CN" b="1" dirty="0">
+                <a:rPr lang="en-US" altLang="zh-CN" b="1">
                   <a:solidFill>
                     <a:schemeClr val="accent5"/>
                   </a:solidFill>
                 </a:rPr>
                 <a:t>position</a:t>
               </a:r>
-              <a:endParaRPr lang="zh-CN" altLang="en-US" b="1" dirty="0">
+              <a:endParaRPr lang="zh-CN" altLang="en-US" b="1">
                 <a:solidFill>
                   <a:schemeClr val="accent5"/>
                 </a:solidFill>
@@ -8098,10 +9661,10 @@
           <a:lstStyle/>
           <a:p>
             <a:r>
-              <a:rPr lang="en-US" altLang="zh-CN" sz="3600" dirty="0"/>
+              <a:rPr lang="en-US" altLang="zh-CN" sz="3600"/>
               <a:t>get</a:t>
             </a:r>
-            <a:endParaRPr lang="zh-CN" altLang="en-US" sz="3600" dirty="0"/>
+            <a:endParaRPr lang="zh-CN" altLang="en-US" sz="3600"/>
           </a:p>
         </p:txBody>
       </p:sp>
@@ -8193,7 +9756,7 @@
             <a:lstStyle/>
             <a:p>
               <a:r>
-                <a:rPr lang="en-US" altLang="zh-CN" b="1" dirty="0">
+                <a:rPr lang="en-US" altLang="zh-CN" b="1">
                   <a:solidFill>
                     <a:schemeClr val="accent1">
                       <a:lumMod val="75000"/>
@@ -8202,7 +9765,7 @@
                 </a:rPr>
                 <a:t>    limit</a:t>
               </a:r>
-              <a:endParaRPr lang="zh-CN" altLang="en-US" b="1" dirty="0">
+              <a:endParaRPr lang="zh-CN" altLang="en-US" b="1">
                 <a:solidFill>
                   <a:schemeClr val="accent1">
                     <a:lumMod val="75000"/>
@@ -8886,14 +10449,14 @@
             <a:lstStyle/>
             <a:p>
               <a:r>
-                <a:rPr lang="en-US" altLang="zh-CN" b="1" dirty="0">
+                <a:rPr lang="en-US" altLang="zh-CN" b="1">
                   <a:solidFill>
                     <a:schemeClr val="accent5"/>
                   </a:solidFill>
                 </a:rPr>
                 <a:t>capacity</a:t>
               </a:r>
-              <a:endParaRPr lang="zh-CN" altLang="en-US" b="1" dirty="0">
+              <a:endParaRPr lang="zh-CN" altLang="en-US" b="1">
                 <a:solidFill>
                   <a:schemeClr val="accent5"/>
                 </a:solidFill>
@@ -8990,14 +10553,14 @@
             <a:lstStyle/>
             <a:p>
               <a:r>
-                <a:rPr lang="en-US" altLang="zh-CN" b="1" dirty="0">
+                <a:rPr lang="en-US" altLang="zh-CN" b="1">
                   <a:solidFill>
                     <a:schemeClr val="accent5"/>
                   </a:solidFill>
                 </a:rPr>
                 <a:t>position</a:t>
               </a:r>
-              <a:endParaRPr lang="zh-CN" altLang="en-US" b="1" dirty="0">
+              <a:endParaRPr lang="zh-CN" altLang="en-US" b="1">
                 <a:solidFill>
                   <a:schemeClr val="accent5"/>
                 </a:solidFill>
@@ -9035,10 +10598,10 @@
           <a:lstStyle/>
           <a:p>
             <a:r>
-              <a:rPr lang="en-US" altLang="zh-CN" sz="3600" dirty="0"/>
+              <a:rPr lang="en-US" altLang="zh-CN" sz="3600"/>
               <a:t>clear</a:t>
             </a:r>
-            <a:endParaRPr lang="zh-CN" altLang="en-US" sz="3600" dirty="0"/>
+            <a:endParaRPr lang="zh-CN" altLang="en-US" sz="3600"/>
           </a:p>
         </p:txBody>
       </p:sp>
@@ -9112,14 +10675,14 @@
           <a:lstStyle/>
           <a:p>
             <a:r>
-              <a:rPr lang="en-US" altLang="zh-CN" b="1" dirty="0">
+              <a:rPr lang="en-US" altLang="zh-CN" b="1">
                 <a:solidFill>
                   <a:schemeClr val="accent5"/>
                 </a:solidFill>
               </a:rPr>
               <a:t>limit</a:t>
             </a:r>
-            <a:endParaRPr lang="zh-CN" altLang="en-US" b="1" dirty="0">
+            <a:endParaRPr lang="zh-CN" altLang="en-US" b="1">
               <a:solidFill>
                 <a:schemeClr val="accent5"/>
               </a:solidFill>
@@ -9211,7 +10774,7 @@
           <a:p>
             <a:pPr algn="ctr"/>
             <a:r>
-              <a:rPr lang="en-US" altLang="zh-CN" b="1" dirty="0">
+              <a:rPr lang="en-US" altLang="zh-CN" b="1">
                 <a:solidFill>
                   <a:schemeClr val="bg2">
                     <a:lumMod val="25000"/>
@@ -9220,7 +10783,7 @@
               </a:rPr>
               <a:t>H</a:t>
             </a:r>
-            <a:endParaRPr lang="zh-CN" altLang="en-US" b="1" dirty="0">
+            <a:endParaRPr lang="zh-CN" altLang="en-US" b="1">
               <a:solidFill>
                 <a:schemeClr val="bg2">
                   <a:lumMod val="25000"/>
@@ -9284,7 +10847,7 @@
           <a:p>
             <a:pPr algn="ctr"/>
             <a:r>
-              <a:rPr lang="en-US" altLang="zh-CN" b="1" dirty="0">
+              <a:rPr lang="en-US" altLang="zh-CN" b="1">
                 <a:solidFill>
                   <a:schemeClr val="bg2">
                     <a:lumMod val="25000"/>
@@ -9293,7 +10856,7 @@
               </a:rPr>
               <a:t>E</a:t>
             </a:r>
-            <a:endParaRPr lang="zh-CN" altLang="en-US" b="1" dirty="0">
+            <a:endParaRPr lang="zh-CN" altLang="en-US" b="1">
               <a:solidFill>
                 <a:schemeClr val="bg2">
                   <a:lumMod val="25000"/>
@@ -9357,7 +10920,7 @@
           <a:p>
             <a:pPr algn="ctr"/>
             <a:r>
-              <a:rPr lang="en-US" altLang="zh-CN" b="1" dirty="0">
+              <a:rPr lang="en-US" altLang="zh-CN" b="1">
                 <a:solidFill>
                   <a:schemeClr val="bg2">
                     <a:lumMod val="25000"/>
@@ -9366,7 +10929,7 @@
               </a:rPr>
               <a:t>L</a:t>
             </a:r>
-            <a:endParaRPr lang="zh-CN" altLang="en-US" b="1" dirty="0">
+            <a:endParaRPr lang="zh-CN" altLang="en-US" b="1">
               <a:solidFill>
                 <a:schemeClr val="bg2">
                   <a:lumMod val="25000"/>
@@ -9430,7 +10993,7 @@
           <a:p>
             <a:pPr algn="ctr"/>
             <a:r>
-              <a:rPr lang="en-US" altLang="zh-CN" b="1" dirty="0">
+              <a:rPr lang="en-US" altLang="zh-CN" b="1">
                 <a:solidFill>
                   <a:schemeClr val="bg2">
                     <a:lumMod val="25000"/>
@@ -9439,7 +11002,7 @@
               </a:rPr>
               <a:t>L</a:t>
             </a:r>
-            <a:endParaRPr lang="zh-CN" altLang="en-US" b="1" dirty="0">
+            <a:endParaRPr lang="zh-CN" altLang="en-US" b="1">
               <a:solidFill>
                 <a:schemeClr val="bg2">
                   <a:lumMod val="25000"/>
@@ -9503,7 +11066,7 @@
           <a:p>
             <a:pPr algn="ctr"/>
             <a:r>
-              <a:rPr lang="en-US" altLang="zh-CN" b="1" dirty="0">
+              <a:rPr lang="en-US" altLang="zh-CN" b="1">
                 <a:solidFill>
                   <a:schemeClr val="bg2">
                     <a:lumMod val="25000"/>
@@ -9512,7 +11075,7 @@
               </a:rPr>
               <a:t>O</a:t>
             </a:r>
-            <a:endParaRPr lang="zh-CN" altLang="en-US" b="1" dirty="0">
+            <a:endParaRPr lang="zh-CN" altLang="en-US" b="1">
               <a:solidFill>
                 <a:schemeClr val="bg2">
                   <a:lumMod val="25000"/>
@@ -9880,14 +11443,14 @@
             <a:lstStyle/>
             <a:p>
               <a:r>
-                <a:rPr lang="en-US" altLang="zh-CN" b="1" dirty="0">
+                <a:rPr lang="en-US" altLang="zh-CN" b="1">
                   <a:solidFill>
                     <a:schemeClr val="accent5"/>
                   </a:solidFill>
                 </a:rPr>
                 <a:t>capacity</a:t>
               </a:r>
-              <a:endParaRPr lang="zh-CN" altLang="en-US" b="1" dirty="0">
+              <a:endParaRPr lang="zh-CN" altLang="en-US" b="1">
                 <a:solidFill>
                   <a:schemeClr val="accent5"/>
                 </a:solidFill>
@@ -9984,14 +11547,14 @@
             <a:lstStyle/>
             <a:p>
               <a:r>
-                <a:rPr lang="en-US" altLang="zh-CN" b="1" dirty="0">
+                <a:rPr lang="en-US" altLang="zh-CN" b="1">
                   <a:solidFill>
                     <a:schemeClr val="accent5"/>
                   </a:solidFill>
                 </a:rPr>
                 <a:t>position</a:t>
               </a:r>
-              <a:endParaRPr lang="zh-CN" altLang="en-US" b="1" dirty="0">
+              <a:endParaRPr lang="zh-CN" altLang="en-US" b="1">
                 <a:solidFill>
                   <a:schemeClr val="accent5"/>
                 </a:solidFill>
@@ -10088,7 +11651,7 @@
             <a:lstStyle/>
             <a:p>
               <a:r>
-                <a:rPr lang="en-US" altLang="zh-CN" b="1" dirty="0">
+                <a:rPr lang="en-US" altLang="zh-CN" b="1">
                   <a:solidFill>
                     <a:schemeClr val="accent1">
                       <a:lumMod val="75000"/>
@@ -10097,7 +11660,7 @@
                 </a:rPr>
                 <a:t>    limit</a:t>
               </a:r>
-              <a:endParaRPr lang="zh-CN" altLang="en-US" b="1" dirty="0">
+              <a:endParaRPr lang="zh-CN" altLang="en-US" b="1">
                 <a:solidFill>
                   <a:schemeClr val="accent1">
                     <a:lumMod val="75000"/>
@@ -10162,7 +11725,7 @@
           <a:p>
             <a:pPr algn="ctr"/>
             <a:r>
-              <a:rPr lang="en-US" altLang="zh-CN" b="1" dirty="0">
+              <a:rPr lang="en-US" altLang="zh-CN" b="1">
                 <a:solidFill>
                   <a:schemeClr val="bg2">
                     <a:lumMod val="25000"/>
@@ -10171,7 +11734,7 @@
               </a:rPr>
               <a:t>L</a:t>
             </a:r>
-            <a:endParaRPr lang="zh-CN" altLang="en-US" b="1" dirty="0">
+            <a:endParaRPr lang="zh-CN" altLang="en-US" b="1">
               <a:solidFill>
                 <a:schemeClr val="bg2">
                   <a:lumMod val="25000"/>
@@ -10235,7 +11798,7 @@
           <a:p>
             <a:pPr algn="ctr"/>
             <a:r>
-              <a:rPr lang="en-US" altLang="zh-CN" b="1" dirty="0">
+              <a:rPr lang="en-US" altLang="zh-CN" b="1">
                 <a:solidFill>
                   <a:schemeClr val="bg2">
                     <a:lumMod val="25000"/>
@@ -10244,7 +11807,7 @@
               </a:rPr>
               <a:t>L</a:t>
             </a:r>
-            <a:endParaRPr lang="zh-CN" altLang="en-US" b="1" dirty="0">
+            <a:endParaRPr lang="zh-CN" altLang="en-US" b="1">
               <a:solidFill>
                 <a:schemeClr val="bg2">
                   <a:lumMod val="25000"/>
@@ -10308,7 +11871,7 @@
           <a:p>
             <a:pPr algn="ctr"/>
             <a:r>
-              <a:rPr lang="en-US" altLang="zh-CN" b="1" dirty="0">
+              <a:rPr lang="en-US" altLang="zh-CN" b="1">
                 <a:solidFill>
                   <a:schemeClr val="bg2">
                     <a:lumMod val="25000"/>
@@ -10317,7 +11880,7 @@
               </a:rPr>
               <a:t>O</a:t>
             </a:r>
-            <a:endParaRPr lang="zh-CN" altLang="en-US" b="1" dirty="0">
+            <a:endParaRPr lang="zh-CN" altLang="en-US" b="1">
               <a:solidFill>
                 <a:schemeClr val="bg2">
                   <a:lumMod val="25000"/>
@@ -10378,7 +11941,7 @@
           <a:p>
             <a:pPr algn="ctr"/>
             <a:r>
-              <a:rPr lang="en-US" altLang="zh-CN" b="1" dirty="0">
+              <a:rPr lang="en-US" altLang="zh-CN" b="1">
                 <a:solidFill>
                   <a:schemeClr val="bg2">
                     <a:lumMod val="25000"/>
@@ -10387,7 +11950,7 @@
               </a:rPr>
               <a:t>L</a:t>
             </a:r>
-            <a:endParaRPr lang="zh-CN" altLang="en-US" b="1" dirty="0">
+            <a:endParaRPr lang="zh-CN" altLang="en-US" b="1">
               <a:solidFill>
                 <a:schemeClr val="bg2">
                   <a:lumMod val="25000"/>
@@ -10448,7 +12011,7 @@
           <a:p>
             <a:pPr algn="ctr"/>
             <a:r>
-              <a:rPr lang="en-US" altLang="zh-CN" b="1" dirty="0">
+              <a:rPr lang="en-US" altLang="zh-CN" b="1">
                 <a:solidFill>
                   <a:schemeClr val="bg2">
                     <a:lumMod val="25000"/>
@@ -10457,7 +12020,7 @@
               </a:rPr>
               <a:t>O</a:t>
             </a:r>
-            <a:endParaRPr lang="zh-CN" altLang="en-US" b="1" dirty="0">
+            <a:endParaRPr lang="zh-CN" altLang="en-US" b="1">
               <a:solidFill>
                 <a:schemeClr val="bg2">
                   <a:lumMod val="25000"/>
@@ -10825,14 +12388,14 @@
             <a:lstStyle/>
             <a:p>
               <a:r>
-                <a:rPr lang="en-US" altLang="zh-CN" b="1" dirty="0">
+                <a:rPr lang="en-US" altLang="zh-CN" b="1">
                   <a:solidFill>
                     <a:schemeClr val="accent5"/>
                   </a:solidFill>
                 </a:rPr>
                 <a:t>capacity</a:t>
               </a:r>
-              <a:endParaRPr lang="zh-CN" altLang="en-US" b="1" dirty="0">
+              <a:endParaRPr lang="zh-CN" altLang="en-US" b="1">
                 <a:solidFill>
                   <a:schemeClr val="accent5"/>
                 </a:solidFill>
@@ -10929,14 +12492,14 @@
             <a:lstStyle/>
             <a:p>
               <a:r>
-                <a:rPr lang="en-US" altLang="zh-CN" b="1" dirty="0">
+                <a:rPr lang="en-US" altLang="zh-CN" b="1">
                   <a:solidFill>
                     <a:schemeClr val="accent5"/>
                   </a:solidFill>
                 </a:rPr>
                 <a:t>position</a:t>
               </a:r>
-              <a:endParaRPr lang="zh-CN" altLang="en-US" b="1" dirty="0">
+              <a:endParaRPr lang="zh-CN" altLang="en-US" b="1">
                 <a:solidFill>
                   <a:schemeClr val="accent5"/>
                 </a:solidFill>
@@ -10974,10 +12537,10 @@
           <a:lstStyle/>
           <a:p>
             <a:r>
-              <a:rPr lang="en-US" altLang="zh-CN" sz="3600" dirty="0"/>
+              <a:rPr lang="en-US" altLang="zh-CN" sz="3600"/>
               <a:t>compact</a:t>
             </a:r>
-            <a:endParaRPr lang="zh-CN" altLang="en-US" sz="3600" dirty="0"/>
+            <a:endParaRPr lang="zh-CN" altLang="en-US" sz="3600"/>
           </a:p>
         </p:txBody>
       </p:sp>
@@ -11051,14 +12614,14 @@
           <a:lstStyle/>
           <a:p>
             <a:r>
-              <a:rPr lang="en-US" altLang="zh-CN" b="1" dirty="0">
+              <a:rPr lang="en-US" altLang="zh-CN" b="1">
                 <a:solidFill>
                   <a:schemeClr val="accent5"/>
                 </a:solidFill>
               </a:rPr>
               <a:t>limit</a:t>
             </a:r>
-            <a:endParaRPr lang="zh-CN" altLang="en-US" b="1" dirty="0">
+            <a:endParaRPr lang="zh-CN" altLang="en-US" b="1">
               <a:solidFill>
                 <a:schemeClr val="accent5"/>
               </a:solidFill>
@@ -11149,7 +12712,7 @@
           <a:lstStyle/>
           <a:p>
             <a:r>
-              <a:rPr lang="en-US" altLang="zh-CN" b="1" dirty="0">
+              <a:rPr lang="en-US" altLang="zh-CN" b="1">
                 <a:solidFill>
                   <a:schemeClr val="bg2">
                     <a:lumMod val="25000"/>
@@ -11158,7 +12721,7 @@
               </a:rPr>
               <a:t>compact()</a:t>
             </a:r>
-            <a:endParaRPr lang="zh-CN" altLang="en-US" b="1" dirty="0">
+            <a:endParaRPr lang="zh-CN" altLang="en-US" b="1">
               <a:solidFill>
                 <a:schemeClr val="bg2">
                   <a:lumMod val="25000"/>
@@ -11252,7 +12815,7 @@
           <a:p>
             <a:pPr algn="ctr"/>
             <a:r>
-              <a:rPr lang="en-US" altLang="zh-CN" b="1" dirty="0">
+              <a:rPr lang="en-US" altLang="zh-CN" b="1">
                 <a:solidFill>
                   <a:schemeClr val="bg2">
                     <a:lumMod val="25000"/>
@@ -11261,7 +12824,7 @@
               </a:rPr>
               <a:t>L</a:t>
             </a:r>
-            <a:endParaRPr lang="zh-CN" altLang="en-US" b="1" dirty="0">
+            <a:endParaRPr lang="zh-CN" altLang="en-US" b="1">
               <a:solidFill>
                 <a:schemeClr val="bg2">
                   <a:lumMod val="25000"/>
@@ -11325,7 +12888,7 @@
           <a:p>
             <a:pPr algn="ctr"/>
             <a:r>
-              <a:rPr lang="en-US" altLang="zh-CN" b="1" dirty="0">
+              <a:rPr lang="en-US" altLang="zh-CN" b="1">
                 <a:solidFill>
                   <a:schemeClr val="bg2">
                     <a:lumMod val="25000"/>
@@ -11334,7 +12897,7 @@
               </a:rPr>
               <a:t>L</a:t>
             </a:r>
-            <a:endParaRPr lang="zh-CN" altLang="en-US" b="1" dirty="0">
+            <a:endParaRPr lang="zh-CN" altLang="en-US" b="1">
               <a:solidFill>
                 <a:schemeClr val="bg2">
                   <a:lumMod val="25000"/>
@@ -11398,7 +12961,7 @@
           <a:p>
             <a:pPr algn="ctr"/>
             <a:r>
-              <a:rPr lang="en-US" altLang="zh-CN" b="1" dirty="0">
+              <a:rPr lang="en-US" altLang="zh-CN" b="1">
                 <a:solidFill>
                   <a:schemeClr val="bg2">
                     <a:lumMod val="25000"/>
@@ -11407,7 +12970,7 @@
               </a:rPr>
               <a:t>O</a:t>
             </a:r>
-            <a:endParaRPr lang="zh-CN" altLang="en-US" b="1" dirty="0">
+            <a:endParaRPr lang="zh-CN" altLang="en-US" b="1">
               <a:solidFill>
                 <a:schemeClr val="bg2">
                   <a:lumMod val="25000"/>
@@ -11468,7 +13031,7 @@
           <a:p>
             <a:pPr algn="ctr"/>
             <a:r>
-              <a:rPr lang="en-US" altLang="zh-CN" b="1" dirty="0">
+              <a:rPr lang="en-US" altLang="zh-CN" b="1">
                 <a:solidFill>
                   <a:schemeClr val="bg2">
                     <a:lumMod val="25000"/>
@@ -11477,7 +13040,7 @@
               </a:rPr>
               <a:t>L</a:t>
             </a:r>
-            <a:endParaRPr lang="zh-CN" altLang="en-US" b="1" dirty="0">
+            <a:endParaRPr lang="zh-CN" altLang="en-US" b="1">
               <a:solidFill>
                 <a:schemeClr val="bg2">
                   <a:lumMod val="25000"/>
@@ -11538,7 +13101,7 @@
           <a:p>
             <a:pPr algn="ctr"/>
             <a:r>
-              <a:rPr lang="en-US" altLang="zh-CN" b="1" dirty="0">
+              <a:rPr lang="en-US" altLang="zh-CN" b="1">
                 <a:solidFill>
                   <a:schemeClr val="bg2">
                     <a:lumMod val="25000"/>
@@ -11547,7 +13110,7 @@
               </a:rPr>
               <a:t>O</a:t>
             </a:r>
-            <a:endParaRPr lang="zh-CN" altLang="en-US" b="1" dirty="0">
+            <a:endParaRPr lang="zh-CN" altLang="en-US" b="1">
               <a:solidFill>
                 <a:schemeClr val="bg2">
                   <a:lumMod val="25000"/>
@@ -11915,14 +13478,14 @@
             <a:lstStyle/>
             <a:p>
               <a:r>
-                <a:rPr lang="en-US" altLang="zh-CN" b="1" dirty="0">
+                <a:rPr lang="en-US" altLang="zh-CN" b="1">
                   <a:solidFill>
                     <a:schemeClr val="accent5"/>
                   </a:solidFill>
                 </a:rPr>
                 <a:t>capacity</a:t>
               </a:r>
-              <a:endParaRPr lang="zh-CN" altLang="en-US" b="1" dirty="0">
+              <a:endParaRPr lang="zh-CN" altLang="en-US" b="1">
                 <a:solidFill>
                   <a:schemeClr val="accent5"/>
                 </a:solidFill>
@@ -12019,14 +13582,14 @@
             <a:lstStyle/>
             <a:p>
               <a:r>
-                <a:rPr lang="en-US" altLang="zh-CN" b="1" dirty="0">
+                <a:rPr lang="en-US" altLang="zh-CN" b="1">
                   <a:solidFill>
                     <a:schemeClr val="accent5"/>
                   </a:solidFill>
                 </a:rPr>
                 <a:t>position</a:t>
               </a:r>
-              <a:endParaRPr lang="zh-CN" altLang="en-US" b="1" dirty="0">
+              <a:endParaRPr lang="zh-CN" altLang="en-US" b="1">
                 <a:solidFill>
                   <a:schemeClr val="accent5"/>
                 </a:solidFill>
@@ -12064,10 +13627,10 @@
           <a:lstStyle/>
           <a:p>
             <a:r>
-              <a:rPr lang="en-US" altLang="zh-CN" sz="3600" dirty="0"/>
+              <a:rPr lang="en-US" altLang="zh-CN" sz="3600"/>
               <a:t>compact</a:t>
             </a:r>
-            <a:endParaRPr lang="zh-CN" altLang="en-US" sz="3600" dirty="0"/>
+            <a:endParaRPr lang="zh-CN" altLang="en-US" sz="3600"/>
           </a:p>
         </p:txBody>
       </p:sp>
@@ -12141,14 +13704,14 @@
           <a:lstStyle/>
           <a:p>
             <a:r>
-              <a:rPr lang="en-US" altLang="zh-CN" b="1" dirty="0">
+              <a:rPr lang="en-US" altLang="zh-CN" b="1">
                 <a:solidFill>
                   <a:schemeClr val="accent5"/>
                 </a:solidFill>
               </a:rPr>
               <a:t>limit</a:t>
             </a:r>
-            <a:endParaRPr lang="zh-CN" altLang="en-US" b="1" dirty="0">
+            <a:endParaRPr lang="zh-CN" altLang="en-US" b="1">
               <a:solidFill>
                 <a:schemeClr val="accent5"/>
               </a:solidFill>
@@ -12210,7 +13773,7 @@
           <a:p>
             <a:pPr algn="ctr"/>
             <a:r>
-              <a:rPr lang="en-US" altLang="zh-CN" b="1" dirty="0">
+              <a:rPr lang="en-US" altLang="zh-CN" b="1">
                 <a:solidFill>
                   <a:schemeClr val="bg2">
                     <a:lumMod val="25000"/>
@@ -12219,7 +13782,7 @@
               </a:rPr>
               <a:t>L</a:t>
             </a:r>
-            <a:endParaRPr lang="zh-CN" altLang="en-US" b="1" dirty="0">
+            <a:endParaRPr lang="zh-CN" altLang="en-US" b="1">
               <a:solidFill>
                 <a:schemeClr val="bg2">
                   <a:lumMod val="25000"/>
@@ -12283,7 +13846,7 @@
           <a:p>
             <a:pPr algn="ctr"/>
             <a:r>
-              <a:rPr lang="en-US" altLang="zh-CN" b="1" dirty="0">
+              <a:rPr lang="en-US" altLang="zh-CN" b="1">
                 <a:solidFill>
                   <a:schemeClr val="bg2">
                     <a:lumMod val="25000"/>
@@ -12292,7 +13855,7 @@
               </a:rPr>
               <a:t>L</a:t>
             </a:r>
-            <a:endParaRPr lang="zh-CN" altLang="en-US" b="1" dirty="0">
+            <a:endParaRPr lang="zh-CN" altLang="en-US" b="1">
               <a:solidFill>
                 <a:schemeClr val="bg2">
                   <a:lumMod val="25000"/>
@@ -12356,7 +13919,7 @@
           <a:p>
             <a:pPr algn="ctr"/>
             <a:r>
-              <a:rPr lang="en-US" altLang="zh-CN" b="1" dirty="0">
+              <a:rPr lang="en-US" altLang="zh-CN" b="1">
                 <a:solidFill>
                   <a:schemeClr val="bg2">
                     <a:lumMod val="25000"/>
@@ -12365,7 +13928,7 @@
               </a:rPr>
               <a:t>O</a:t>
             </a:r>
-            <a:endParaRPr lang="zh-CN" altLang="en-US" b="1" dirty="0">
+            <a:endParaRPr lang="zh-CN" altLang="en-US" b="1">
               <a:solidFill>
                 <a:schemeClr val="bg2">
                   <a:lumMod val="25000"/>
@@ -12426,7 +13989,7 @@
           <a:p>
             <a:pPr algn="ctr"/>
             <a:r>
-              <a:rPr lang="en-US" altLang="zh-CN" b="1" dirty="0">
+              <a:rPr lang="en-US" altLang="zh-CN" b="1">
                 <a:solidFill>
                   <a:schemeClr val="bg2">
                     <a:lumMod val="25000"/>
@@ -12435,7 +13998,7 @@
               </a:rPr>
               <a:t>L</a:t>
             </a:r>
-            <a:endParaRPr lang="zh-CN" altLang="en-US" b="1" dirty="0">
+            <a:endParaRPr lang="zh-CN" altLang="en-US" b="1">
               <a:solidFill>
                 <a:schemeClr val="bg2">
                   <a:lumMod val="25000"/>
@@ -12496,7 +14059,7 @@
           <a:p>
             <a:pPr algn="ctr"/>
             <a:r>
-              <a:rPr lang="en-US" altLang="zh-CN" b="1" dirty="0">
+              <a:rPr lang="en-US" altLang="zh-CN" b="1">
                 <a:solidFill>
                   <a:schemeClr val="bg2">
                     <a:lumMod val="25000"/>
@@ -12505,7 +14068,7 @@
               </a:rPr>
               <a:t>O</a:t>
             </a:r>
-            <a:endParaRPr lang="zh-CN" altLang="en-US" b="1" dirty="0">
+            <a:endParaRPr lang="zh-CN" altLang="en-US" b="1">
               <a:solidFill>
                 <a:schemeClr val="bg2">
                   <a:lumMod val="25000"/>
@@ -12873,14 +14436,14 @@
             <a:lstStyle/>
             <a:p>
               <a:r>
-                <a:rPr lang="en-US" altLang="zh-CN" b="1" dirty="0">
+                <a:rPr lang="en-US" altLang="zh-CN" b="1">
                   <a:solidFill>
                     <a:schemeClr val="accent5"/>
                   </a:solidFill>
                 </a:rPr>
                 <a:t>capacity</a:t>
               </a:r>
-              <a:endParaRPr lang="zh-CN" altLang="en-US" b="1" dirty="0">
+              <a:endParaRPr lang="zh-CN" altLang="en-US" b="1">
                 <a:solidFill>
                   <a:schemeClr val="accent5"/>
                 </a:solidFill>
@@ -12977,14 +14540,14 @@
             <a:lstStyle/>
             <a:p>
               <a:r>
-                <a:rPr lang="en-US" altLang="zh-CN" b="1" dirty="0">
+                <a:rPr lang="en-US" altLang="zh-CN" b="1">
                   <a:solidFill>
                     <a:schemeClr val="accent5"/>
                   </a:solidFill>
                 </a:rPr>
                 <a:t>    limit</a:t>
               </a:r>
-              <a:endParaRPr lang="zh-CN" altLang="en-US" b="1" dirty="0">
+              <a:endParaRPr lang="zh-CN" altLang="en-US" b="1">
                 <a:solidFill>
                   <a:schemeClr val="accent5"/>
                 </a:solidFill>
@@ -13076,7 +14639,7 @@
           <a:lstStyle/>
           <a:p>
             <a:r>
-              <a:rPr lang="en-US" altLang="zh-CN" b="1" dirty="0">
+              <a:rPr lang="en-US" altLang="zh-CN" b="1">
                 <a:solidFill>
                   <a:schemeClr val="bg2">
                     <a:lumMod val="25000"/>
@@ -13085,7 +14648,7 @@
               </a:rPr>
               <a:t>flip()</a:t>
             </a:r>
-            <a:endParaRPr lang="zh-CN" altLang="en-US" b="1" dirty="0">
+            <a:endParaRPr lang="zh-CN" altLang="en-US" b="1">
               <a:solidFill>
                 <a:schemeClr val="bg2">
                   <a:lumMod val="25000"/>
@@ -13183,14 +14746,14 @@
             <a:lstStyle/>
             <a:p>
               <a:r>
-                <a:rPr lang="en-US" altLang="zh-CN" b="1" dirty="0">
+                <a:rPr lang="en-US" altLang="zh-CN" b="1">
                   <a:solidFill>
                     <a:schemeClr val="accent5"/>
                   </a:solidFill>
                 </a:rPr>
                 <a:t>position</a:t>
               </a:r>
-              <a:endParaRPr lang="zh-CN" altLang="en-US" b="1" dirty="0">
+              <a:endParaRPr lang="zh-CN" altLang="en-US" b="1">
                 <a:solidFill>
                   <a:schemeClr val="accent5"/>
                 </a:solidFill>
@@ -13280,7 +14843,7 @@
           <a:p>
             <a:pPr algn="ctr"/>
             <a:r>
-              <a:rPr lang="en-US" altLang="zh-CN" b="1" dirty="0">
+              <a:rPr lang="en-US" altLang="zh-CN" b="1">
                 <a:solidFill>
                   <a:schemeClr val="bg2">
                     <a:lumMod val="25000"/>
@@ -13289,7 +14852,7 @@
               </a:rPr>
               <a:t>h</a:t>
             </a:r>
-            <a:endParaRPr lang="zh-CN" altLang="en-US" b="1" dirty="0">
+            <a:endParaRPr lang="zh-CN" altLang="en-US" b="1">
               <a:solidFill>
                 <a:schemeClr val="bg2">
                   <a:lumMod val="25000"/>
@@ -13350,7 +14913,7 @@
           <a:p>
             <a:pPr algn="ctr"/>
             <a:r>
-              <a:rPr lang="en-US" altLang="zh-CN" b="1" dirty="0">
+              <a:rPr lang="en-US" altLang="zh-CN" b="1">
                 <a:solidFill>
                   <a:schemeClr val="bg2">
                     <a:lumMod val="25000"/>
@@ -13359,7 +14922,7 @@
               </a:rPr>
               <a:t>e</a:t>
             </a:r>
-            <a:endParaRPr lang="zh-CN" altLang="en-US" b="1" dirty="0">
+            <a:endParaRPr lang="zh-CN" altLang="en-US" b="1">
               <a:solidFill>
                 <a:schemeClr val="bg2">
                   <a:lumMod val="25000"/>
@@ -13420,7 +14983,7 @@
           <a:p>
             <a:pPr algn="ctr"/>
             <a:r>
-              <a:rPr lang="en-US" altLang="zh-CN" b="1" dirty="0">
+              <a:rPr lang="en-US" altLang="zh-CN" b="1">
                 <a:solidFill>
                   <a:schemeClr val="bg2">
                     <a:lumMod val="25000"/>
@@ -13429,7 +14992,7 @@
               </a:rPr>
               <a:t>l</a:t>
             </a:r>
-            <a:endParaRPr lang="zh-CN" altLang="en-US" b="1" dirty="0">
+            <a:endParaRPr lang="zh-CN" altLang="en-US" b="1">
               <a:solidFill>
                 <a:schemeClr val="bg2">
                   <a:lumMod val="25000"/>
@@ -13490,7 +15053,7 @@
           <a:p>
             <a:pPr algn="ctr"/>
             <a:r>
-              <a:rPr lang="en-US" altLang="zh-CN" b="1" dirty="0">
+              <a:rPr lang="en-US" altLang="zh-CN" b="1">
                 <a:solidFill>
                   <a:schemeClr val="bg2">
                     <a:lumMod val="25000"/>
@@ -13499,7 +15062,7 @@
               </a:rPr>
               <a:t>l</a:t>
             </a:r>
-            <a:endParaRPr lang="zh-CN" altLang="en-US" b="1" dirty="0">
+            <a:endParaRPr lang="zh-CN" altLang="en-US" b="1">
               <a:solidFill>
                 <a:schemeClr val="bg2">
                   <a:lumMod val="25000"/>
@@ -13560,7 +15123,7 @@
           <a:p>
             <a:pPr algn="ctr"/>
             <a:r>
-              <a:rPr lang="en-US" altLang="zh-CN" b="1" dirty="0">
+              <a:rPr lang="en-US" altLang="zh-CN" b="1">
                 <a:solidFill>
                   <a:schemeClr val="bg2">
                     <a:lumMod val="25000"/>
@@ -13569,7 +15132,7 @@
               </a:rPr>
               <a:t>o</a:t>
             </a:r>
-            <a:endParaRPr lang="zh-CN" altLang="en-US" b="1" dirty="0">
+            <a:endParaRPr lang="zh-CN" altLang="en-US" b="1">
               <a:solidFill>
                 <a:schemeClr val="bg2">
                   <a:lumMod val="25000"/>
@@ -13630,7 +15193,7 @@
           <a:p>
             <a:pPr algn="ctr"/>
             <a:r>
-              <a:rPr lang="en-US" altLang="zh-CN" b="1" dirty="0">
+              <a:rPr lang="en-US" altLang="zh-CN" b="1">
                 <a:solidFill>
                   <a:schemeClr val="bg2">
                     <a:lumMod val="25000"/>
@@ -13639,7 +15202,7 @@
               </a:rPr>
               <a:t>w</a:t>
             </a:r>
-            <a:endParaRPr lang="zh-CN" altLang="en-US" b="1" dirty="0">
+            <a:endParaRPr lang="zh-CN" altLang="en-US" b="1">
               <a:solidFill>
                 <a:schemeClr val="bg2">
                   <a:lumMod val="25000"/>
@@ -13700,7 +15263,7 @@
           <a:p>
             <a:pPr algn="ctr"/>
             <a:r>
-              <a:rPr lang="en-US" altLang="zh-CN" b="1" dirty="0">
+              <a:rPr lang="en-US" altLang="zh-CN" b="1">
                 <a:solidFill>
                   <a:schemeClr val="bg2">
                     <a:lumMod val="25000"/>
@@ -13709,7 +15272,7 @@
               </a:rPr>
               <a:t>o</a:t>
             </a:r>
-            <a:endParaRPr lang="zh-CN" altLang="en-US" b="1" dirty="0">
+            <a:endParaRPr lang="zh-CN" altLang="en-US" b="1">
               <a:solidFill>
                 <a:schemeClr val="bg2">
                   <a:lumMod val="25000"/>
@@ -13770,7 +15333,7 @@
           <a:p>
             <a:pPr algn="ctr"/>
             <a:r>
-              <a:rPr lang="en-US" altLang="zh-CN" b="1" dirty="0">
+              <a:rPr lang="en-US" altLang="zh-CN" b="1">
                 <a:solidFill>
                   <a:schemeClr val="bg2">
                     <a:lumMod val="25000"/>
@@ -13779,7 +15342,7 @@
               </a:rPr>
               <a:t>r</a:t>
             </a:r>
-            <a:endParaRPr lang="zh-CN" altLang="en-US" b="1" dirty="0">
+            <a:endParaRPr lang="zh-CN" altLang="en-US" b="1">
               <a:solidFill>
                 <a:schemeClr val="bg2">
                   <a:lumMod val="25000"/>
@@ -13840,7 +15403,7 @@
           <a:p>
             <a:pPr algn="ctr"/>
             <a:r>
-              <a:rPr lang="en-US" altLang="zh-CN" b="1" dirty="0">
+              <a:rPr lang="en-US" altLang="zh-CN" b="1">
                 <a:solidFill>
                   <a:schemeClr val="bg2">
                     <a:lumMod val="25000"/>
@@ -13849,7 +15412,7 @@
               </a:rPr>
               <a:t>l</a:t>
             </a:r>
-            <a:endParaRPr lang="zh-CN" altLang="en-US" b="1" dirty="0">
+            <a:endParaRPr lang="zh-CN" altLang="en-US" b="1">
               <a:solidFill>
                 <a:schemeClr val="bg2">
                   <a:lumMod val="25000"/>
@@ -13910,7 +15473,7 @@
           <a:p>
             <a:pPr algn="ctr"/>
             <a:r>
-              <a:rPr lang="en-US" altLang="zh-CN" b="1" dirty="0">
+              <a:rPr lang="en-US" altLang="zh-CN" b="1">
                 <a:solidFill>
                   <a:schemeClr val="bg2">
                     <a:lumMod val="25000"/>
@@ -13919,7 +15482,7 @@
               </a:rPr>
               <a:t>d</a:t>
             </a:r>
-            <a:endParaRPr lang="zh-CN" altLang="en-US" b="1" dirty="0">
+            <a:endParaRPr lang="zh-CN" altLang="en-US" b="1">
               <a:solidFill>
                 <a:schemeClr val="bg2">
                   <a:lumMod val="25000"/>
@@ -14017,14 +15580,14 @@
             <a:lstStyle/>
             <a:p>
               <a:r>
-                <a:rPr lang="en-US" altLang="zh-CN" b="1" dirty="0">
+                <a:rPr lang="en-US" altLang="zh-CN" b="1">
                   <a:solidFill>
                     <a:schemeClr val="accent5"/>
                   </a:solidFill>
                 </a:rPr>
                 <a:t>capacity</a:t>
               </a:r>
-              <a:endParaRPr lang="zh-CN" altLang="en-US" b="1" dirty="0">
+              <a:endParaRPr lang="zh-CN" altLang="en-US" b="1">
                 <a:solidFill>
                   <a:schemeClr val="accent5"/>
                 </a:solidFill>
@@ -14121,14 +15684,14 @@
             <a:lstStyle/>
             <a:p>
               <a:r>
-                <a:rPr lang="en-US" altLang="zh-CN" b="1" dirty="0">
+                <a:rPr lang="en-US" altLang="zh-CN" b="1">
                   <a:solidFill>
                     <a:schemeClr val="accent5"/>
                   </a:solidFill>
                 </a:rPr>
                 <a:t>position</a:t>
               </a:r>
-              <a:endParaRPr lang="zh-CN" altLang="en-US" b="1" dirty="0">
+              <a:endParaRPr lang="zh-CN" altLang="en-US" b="1">
                 <a:solidFill>
                   <a:schemeClr val="accent5"/>
                 </a:solidFill>
@@ -14166,10 +15729,10 @@
           <a:lstStyle/>
           <a:p>
             <a:r>
-              <a:rPr lang="en-US" altLang="zh-CN" sz="3600" dirty="0"/>
+              <a:rPr lang="en-US" altLang="zh-CN" sz="3600"/>
               <a:t>duplicate</a:t>
             </a:r>
-            <a:endParaRPr lang="zh-CN" altLang="en-US" sz="3600" dirty="0"/>
+            <a:endParaRPr lang="zh-CN" altLang="en-US" sz="3600"/>
           </a:p>
         </p:txBody>
       </p:sp>
@@ -14256,7 +15819,7 @@
           <a:lstStyle/>
           <a:p>
             <a:r>
-              <a:rPr lang="en-US" altLang="zh-CN" b="1" dirty="0">
+              <a:rPr lang="en-US" altLang="zh-CN" b="1">
                 <a:solidFill>
                   <a:schemeClr val="bg2">
                     <a:lumMod val="25000"/>
@@ -14265,7 +15828,7 @@
               </a:rPr>
               <a:t>duplicate ()</a:t>
             </a:r>
-            <a:endParaRPr lang="zh-CN" altLang="en-US" b="1" dirty="0">
+            <a:endParaRPr lang="zh-CN" altLang="en-US" b="1">
               <a:solidFill>
                 <a:schemeClr val="bg2">
                   <a:lumMod val="25000"/>
@@ -14363,14 +15926,14 @@
             <a:lstStyle/>
             <a:p>
               <a:r>
-                <a:rPr lang="en-US" altLang="zh-CN" b="1" dirty="0">
+                <a:rPr lang="en-US" altLang="zh-CN" b="1">
                   <a:solidFill>
                     <a:schemeClr val="accent5"/>
                   </a:solidFill>
                 </a:rPr>
                 <a:t>    limit</a:t>
               </a:r>
-              <a:endParaRPr lang="zh-CN" altLang="en-US" b="1" dirty="0">
+              <a:endParaRPr lang="zh-CN" altLang="en-US" b="1">
                 <a:solidFill>
                   <a:schemeClr val="accent5"/>
                 </a:solidFill>
@@ -14430,7 +15993,7 @@
           <a:p>
             <a:pPr algn="ctr"/>
             <a:r>
-              <a:rPr lang="en-US" altLang="zh-CN" b="1" dirty="0">
+              <a:rPr lang="en-US" altLang="zh-CN" b="1">
                 <a:solidFill>
                   <a:schemeClr val="bg2">
                     <a:lumMod val="25000"/>
@@ -14439,7 +16002,7 @@
               </a:rPr>
               <a:t>h</a:t>
             </a:r>
-            <a:endParaRPr lang="zh-CN" altLang="en-US" b="1" dirty="0">
+            <a:endParaRPr lang="zh-CN" altLang="en-US" b="1">
               <a:solidFill>
                 <a:schemeClr val="bg2">
                   <a:lumMod val="25000"/>
@@ -14500,7 +16063,7 @@
           <a:p>
             <a:pPr algn="ctr"/>
             <a:r>
-              <a:rPr lang="en-US" altLang="zh-CN" b="1" dirty="0">
+              <a:rPr lang="en-US" altLang="zh-CN" b="1">
                 <a:solidFill>
                   <a:schemeClr val="bg2">
                     <a:lumMod val="25000"/>
@@ -14509,7 +16072,7 @@
               </a:rPr>
               <a:t>e</a:t>
             </a:r>
-            <a:endParaRPr lang="zh-CN" altLang="en-US" b="1" dirty="0">
+            <a:endParaRPr lang="zh-CN" altLang="en-US" b="1">
               <a:solidFill>
                 <a:schemeClr val="bg2">
                   <a:lumMod val="25000"/>
@@ -14570,7 +16133,7 @@
           <a:p>
             <a:pPr algn="ctr"/>
             <a:r>
-              <a:rPr lang="en-US" altLang="zh-CN" b="1" dirty="0">
+              <a:rPr lang="en-US" altLang="zh-CN" b="1">
                 <a:solidFill>
                   <a:schemeClr val="bg2">
                     <a:lumMod val="25000"/>
@@ -14579,7 +16142,7 @@
               </a:rPr>
               <a:t>l</a:t>
             </a:r>
-            <a:endParaRPr lang="zh-CN" altLang="en-US" b="1" dirty="0">
+            <a:endParaRPr lang="zh-CN" altLang="en-US" b="1">
               <a:solidFill>
                 <a:schemeClr val="bg2">
                   <a:lumMod val="25000"/>
@@ -14640,7 +16203,7 @@
           <a:p>
             <a:pPr algn="ctr"/>
             <a:r>
-              <a:rPr lang="en-US" altLang="zh-CN" b="1" dirty="0">
+              <a:rPr lang="en-US" altLang="zh-CN" b="1">
                 <a:solidFill>
                   <a:schemeClr val="bg2">
                     <a:lumMod val="25000"/>
@@ -14649,7 +16212,7 @@
               </a:rPr>
               <a:t>l</a:t>
             </a:r>
-            <a:endParaRPr lang="zh-CN" altLang="en-US" b="1" dirty="0">
+            <a:endParaRPr lang="zh-CN" altLang="en-US" b="1">
               <a:solidFill>
                 <a:schemeClr val="bg2">
                   <a:lumMod val="25000"/>
@@ -14710,7 +16273,7 @@
           <a:p>
             <a:pPr algn="ctr"/>
             <a:r>
-              <a:rPr lang="en-US" altLang="zh-CN" b="1" dirty="0">
+              <a:rPr lang="en-US" altLang="zh-CN" b="1">
                 <a:solidFill>
                   <a:schemeClr val="bg2">
                     <a:lumMod val="25000"/>
@@ -14719,7 +16282,7 @@
               </a:rPr>
               <a:t>o</a:t>
             </a:r>
-            <a:endParaRPr lang="zh-CN" altLang="en-US" b="1" dirty="0">
+            <a:endParaRPr lang="zh-CN" altLang="en-US" b="1">
               <a:solidFill>
                 <a:schemeClr val="bg2">
                   <a:lumMod val="25000"/>
@@ -14780,7 +16343,7 @@
           <a:p>
             <a:pPr algn="ctr"/>
             <a:r>
-              <a:rPr lang="en-US" altLang="zh-CN" b="1" dirty="0">
+              <a:rPr lang="en-US" altLang="zh-CN" b="1">
                 <a:solidFill>
                   <a:schemeClr val="bg2">
                     <a:lumMod val="25000"/>
@@ -14789,7 +16352,7 @@
               </a:rPr>
               <a:t>w</a:t>
             </a:r>
-            <a:endParaRPr lang="zh-CN" altLang="en-US" b="1" dirty="0">
+            <a:endParaRPr lang="zh-CN" altLang="en-US" b="1">
               <a:solidFill>
                 <a:schemeClr val="bg2">
                   <a:lumMod val="25000"/>
@@ -14850,7 +16413,7 @@
           <a:p>
             <a:pPr algn="ctr"/>
             <a:r>
-              <a:rPr lang="en-US" altLang="zh-CN" b="1" dirty="0">
+              <a:rPr lang="en-US" altLang="zh-CN" b="1">
                 <a:solidFill>
                   <a:schemeClr val="bg2">
                     <a:lumMod val="25000"/>
@@ -14859,7 +16422,7 @@
               </a:rPr>
               <a:t>o</a:t>
             </a:r>
-            <a:endParaRPr lang="zh-CN" altLang="en-US" b="1" dirty="0">
+            <a:endParaRPr lang="zh-CN" altLang="en-US" b="1">
               <a:solidFill>
                 <a:schemeClr val="bg2">
                   <a:lumMod val="25000"/>
@@ -14920,7 +16483,7 @@
           <a:p>
             <a:pPr algn="ctr"/>
             <a:r>
-              <a:rPr lang="en-US" altLang="zh-CN" b="1" dirty="0">
+              <a:rPr lang="en-US" altLang="zh-CN" b="1">
                 <a:solidFill>
                   <a:schemeClr val="bg2">
                     <a:lumMod val="25000"/>
@@ -14929,7 +16492,7 @@
               </a:rPr>
               <a:t>r</a:t>
             </a:r>
-            <a:endParaRPr lang="zh-CN" altLang="en-US" b="1" dirty="0">
+            <a:endParaRPr lang="zh-CN" altLang="en-US" b="1">
               <a:solidFill>
                 <a:schemeClr val="bg2">
                   <a:lumMod val="25000"/>
@@ -14990,7 +16553,7 @@
           <a:p>
             <a:pPr algn="ctr"/>
             <a:r>
-              <a:rPr lang="en-US" altLang="zh-CN" b="1" dirty="0">
+              <a:rPr lang="en-US" altLang="zh-CN" b="1">
                 <a:solidFill>
                   <a:schemeClr val="bg2">
                     <a:lumMod val="25000"/>
@@ -14999,7 +16562,7 @@
               </a:rPr>
               <a:t>l</a:t>
             </a:r>
-            <a:endParaRPr lang="zh-CN" altLang="en-US" b="1" dirty="0">
+            <a:endParaRPr lang="zh-CN" altLang="en-US" b="1">
               <a:solidFill>
                 <a:schemeClr val="bg2">
                   <a:lumMod val="25000"/>
@@ -15060,7 +16623,7 @@
           <a:p>
             <a:pPr algn="ctr"/>
             <a:r>
-              <a:rPr lang="en-US" altLang="zh-CN" b="1" dirty="0">
+              <a:rPr lang="en-US" altLang="zh-CN" b="1">
                 <a:solidFill>
                   <a:schemeClr val="bg2">
                     <a:lumMod val="25000"/>
@@ -15069,7 +16632,7 @@
               </a:rPr>
               <a:t>d</a:t>
             </a:r>
-            <a:endParaRPr lang="zh-CN" altLang="en-US" b="1" dirty="0">
+            <a:endParaRPr lang="zh-CN" altLang="en-US" b="1">
               <a:solidFill>
                 <a:schemeClr val="bg2">
                   <a:lumMod val="25000"/>
@@ -15167,14 +16730,14 @@
             <a:lstStyle/>
             <a:p>
               <a:r>
-                <a:rPr lang="en-US" altLang="zh-CN" b="1" dirty="0">
+                <a:rPr lang="en-US" altLang="zh-CN" b="1">
                   <a:solidFill>
                     <a:schemeClr val="accent5"/>
                   </a:solidFill>
                 </a:rPr>
                 <a:t>capacity</a:t>
               </a:r>
-              <a:endParaRPr lang="zh-CN" altLang="en-US" b="1" dirty="0">
+              <a:endParaRPr lang="zh-CN" altLang="en-US" b="1">
                 <a:solidFill>
                   <a:schemeClr val="accent5"/>
                 </a:solidFill>
@@ -15271,14 +16834,14 @@
             <a:lstStyle/>
             <a:p>
               <a:r>
-                <a:rPr lang="en-US" altLang="zh-CN" b="1" dirty="0">
+                <a:rPr lang="en-US" altLang="zh-CN" b="1">
                   <a:solidFill>
                     <a:schemeClr val="accent5"/>
                   </a:solidFill>
                 </a:rPr>
                 <a:t>position</a:t>
               </a:r>
-              <a:endParaRPr lang="zh-CN" altLang="en-US" b="1" dirty="0">
+              <a:endParaRPr lang="zh-CN" altLang="en-US" b="1">
                 <a:solidFill>
                   <a:schemeClr val="accent5"/>
                 </a:solidFill>
@@ -15375,14 +16938,14 @@
             <a:lstStyle/>
             <a:p>
               <a:r>
-                <a:rPr lang="en-US" altLang="zh-CN" b="1" dirty="0">
+                <a:rPr lang="en-US" altLang="zh-CN" b="1">
                   <a:solidFill>
                     <a:schemeClr val="accent5"/>
                   </a:solidFill>
                 </a:rPr>
                 <a:t>    limit</a:t>
               </a:r>
-              <a:endParaRPr lang="zh-CN" altLang="en-US" b="1" dirty="0">
+              <a:endParaRPr lang="zh-CN" altLang="en-US" b="1">
                 <a:solidFill>
                   <a:schemeClr val="accent5"/>
                 </a:solidFill>
@@ -15472,7 +17035,7 @@
           <a:p>
             <a:pPr algn="ctr"/>
             <a:r>
-              <a:rPr lang="en-US" altLang="zh-CN" b="1" dirty="0">
+              <a:rPr lang="en-US" altLang="zh-CN" b="1">
                 <a:solidFill>
                   <a:schemeClr val="bg2">
                     <a:lumMod val="25000"/>
@@ -15481,7 +17044,7 @@
               </a:rPr>
               <a:t>h</a:t>
             </a:r>
-            <a:endParaRPr lang="zh-CN" altLang="en-US" b="1" dirty="0">
+            <a:endParaRPr lang="zh-CN" altLang="en-US" b="1">
               <a:solidFill>
                 <a:schemeClr val="bg2">
                   <a:lumMod val="25000"/>
@@ -15542,7 +17105,7 @@
           <a:p>
             <a:pPr algn="ctr"/>
             <a:r>
-              <a:rPr lang="en-US" altLang="zh-CN" b="1" dirty="0">
+              <a:rPr lang="en-US" altLang="zh-CN" b="1">
                 <a:solidFill>
                   <a:schemeClr val="bg2">
                     <a:lumMod val="25000"/>
@@ -15551,7 +17114,7 @@
               </a:rPr>
               <a:t>e</a:t>
             </a:r>
-            <a:endParaRPr lang="zh-CN" altLang="en-US" b="1" dirty="0">
+            <a:endParaRPr lang="zh-CN" altLang="en-US" b="1">
               <a:solidFill>
                 <a:schemeClr val="bg2">
                   <a:lumMod val="25000"/>
@@ -15612,7 +17175,7 @@
           <a:p>
             <a:pPr algn="ctr"/>
             <a:r>
-              <a:rPr lang="en-US" altLang="zh-CN" b="1" dirty="0">
+              <a:rPr lang="en-US" altLang="zh-CN" b="1">
                 <a:solidFill>
                   <a:schemeClr val="bg2">
                     <a:lumMod val="25000"/>
@@ -15621,7 +17184,7 @@
               </a:rPr>
               <a:t>l</a:t>
             </a:r>
-            <a:endParaRPr lang="zh-CN" altLang="en-US" b="1" dirty="0">
+            <a:endParaRPr lang="zh-CN" altLang="en-US" b="1">
               <a:solidFill>
                 <a:schemeClr val="bg2">
                   <a:lumMod val="25000"/>
@@ -15682,7 +17245,7 @@
           <a:p>
             <a:pPr algn="ctr"/>
             <a:r>
-              <a:rPr lang="en-US" altLang="zh-CN" b="1" dirty="0">
+              <a:rPr lang="en-US" altLang="zh-CN" b="1">
                 <a:solidFill>
                   <a:schemeClr val="bg2">
                     <a:lumMod val="25000"/>
@@ -15691,7 +17254,7 @@
               </a:rPr>
               <a:t>l</a:t>
             </a:r>
-            <a:endParaRPr lang="zh-CN" altLang="en-US" b="1" dirty="0">
+            <a:endParaRPr lang="zh-CN" altLang="en-US" b="1">
               <a:solidFill>
                 <a:schemeClr val="bg2">
                   <a:lumMod val="25000"/>
@@ -15752,7 +17315,7 @@
           <a:p>
             <a:pPr algn="ctr"/>
             <a:r>
-              <a:rPr lang="en-US" altLang="zh-CN" b="1" dirty="0">
+              <a:rPr lang="en-US" altLang="zh-CN" b="1">
                 <a:solidFill>
                   <a:schemeClr val="bg2">
                     <a:lumMod val="25000"/>
@@ -15761,7 +17324,7 @@
               </a:rPr>
               <a:t>o</a:t>
             </a:r>
-            <a:endParaRPr lang="zh-CN" altLang="en-US" b="1" dirty="0">
+            <a:endParaRPr lang="zh-CN" altLang="en-US" b="1">
               <a:solidFill>
                 <a:schemeClr val="bg2">
                   <a:lumMod val="25000"/>
@@ -15822,7 +17385,7 @@
           <a:p>
             <a:pPr algn="ctr"/>
             <a:r>
-              <a:rPr lang="en-US" altLang="zh-CN" b="1" dirty="0">
+              <a:rPr lang="en-US" altLang="zh-CN" b="1">
                 <a:solidFill>
                   <a:schemeClr val="bg2">
                     <a:lumMod val="25000"/>
@@ -15831,7 +17394,7 @@
               </a:rPr>
               <a:t>w</a:t>
             </a:r>
-            <a:endParaRPr lang="zh-CN" altLang="en-US" b="1" dirty="0">
+            <a:endParaRPr lang="zh-CN" altLang="en-US" b="1">
               <a:solidFill>
                 <a:schemeClr val="bg2">
                   <a:lumMod val="25000"/>
@@ -15892,7 +17455,7 @@
           <a:p>
             <a:pPr algn="ctr"/>
             <a:r>
-              <a:rPr lang="en-US" altLang="zh-CN" b="1" dirty="0">
+              <a:rPr lang="en-US" altLang="zh-CN" b="1">
                 <a:solidFill>
                   <a:schemeClr val="bg2">
                     <a:lumMod val="25000"/>
@@ -15901,7 +17464,7 @@
               </a:rPr>
               <a:t>o</a:t>
             </a:r>
-            <a:endParaRPr lang="zh-CN" altLang="en-US" b="1" dirty="0">
+            <a:endParaRPr lang="zh-CN" altLang="en-US" b="1">
               <a:solidFill>
                 <a:schemeClr val="bg2">
                   <a:lumMod val="25000"/>
@@ -15962,7 +17525,7 @@
           <a:p>
             <a:pPr algn="ctr"/>
             <a:r>
-              <a:rPr lang="en-US" altLang="zh-CN" b="1" dirty="0">
+              <a:rPr lang="en-US" altLang="zh-CN" b="1">
                 <a:solidFill>
                   <a:schemeClr val="bg2">
                     <a:lumMod val="25000"/>
@@ -15971,7 +17534,7 @@
               </a:rPr>
               <a:t>r</a:t>
             </a:r>
-            <a:endParaRPr lang="zh-CN" altLang="en-US" b="1" dirty="0">
+            <a:endParaRPr lang="zh-CN" altLang="en-US" b="1">
               <a:solidFill>
                 <a:schemeClr val="bg2">
                   <a:lumMod val="25000"/>
@@ -16032,7 +17595,7 @@
           <a:p>
             <a:pPr algn="ctr"/>
             <a:r>
-              <a:rPr lang="en-US" altLang="zh-CN" b="1" dirty="0">
+              <a:rPr lang="en-US" altLang="zh-CN" b="1">
                 <a:solidFill>
                   <a:schemeClr val="bg2">
                     <a:lumMod val="25000"/>
@@ -16041,7 +17604,7 @@
               </a:rPr>
               <a:t>l</a:t>
             </a:r>
-            <a:endParaRPr lang="zh-CN" altLang="en-US" b="1" dirty="0">
+            <a:endParaRPr lang="zh-CN" altLang="en-US" b="1">
               <a:solidFill>
                 <a:schemeClr val="bg2">
                   <a:lumMod val="25000"/>
@@ -16102,7 +17665,7 @@
           <a:p>
             <a:pPr algn="ctr"/>
             <a:r>
-              <a:rPr lang="en-US" altLang="zh-CN" b="1" dirty="0">
+              <a:rPr lang="en-US" altLang="zh-CN" b="1">
                 <a:solidFill>
                   <a:schemeClr val="bg2">
                     <a:lumMod val="25000"/>
@@ -16111,7 +17674,7 @@
               </a:rPr>
               <a:t>d</a:t>
             </a:r>
-            <a:endParaRPr lang="zh-CN" altLang="en-US" b="1" dirty="0">
+            <a:endParaRPr lang="zh-CN" altLang="en-US" b="1">
               <a:solidFill>
                 <a:schemeClr val="bg2">
                   <a:lumMod val="25000"/>
@@ -16209,14 +17772,14 @@
             <a:lstStyle/>
             <a:p>
               <a:r>
-                <a:rPr lang="en-US" altLang="zh-CN" b="1" dirty="0">
+                <a:rPr lang="en-US" altLang="zh-CN" b="1">
                   <a:solidFill>
                     <a:schemeClr val="accent5"/>
                   </a:solidFill>
                 </a:rPr>
                 <a:t>capacity</a:t>
               </a:r>
-              <a:endParaRPr lang="zh-CN" altLang="en-US" b="1" dirty="0">
+              <a:endParaRPr lang="zh-CN" altLang="en-US" b="1">
                 <a:solidFill>
                   <a:schemeClr val="accent5"/>
                 </a:solidFill>
@@ -16313,14 +17876,14 @@
             <a:lstStyle/>
             <a:p>
               <a:r>
-                <a:rPr lang="en-US" altLang="zh-CN" b="1" dirty="0">
+                <a:rPr lang="en-US" altLang="zh-CN" b="1">
                   <a:solidFill>
                     <a:schemeClr val="accent5"/>
                   </a:solidFill>
                 </a:rPr>
                 <a:t>position</a:t>
               </a:r>
-              <a:endParaRPr lang="zh-CN" altLang="en-US" b="1" dirty="0">
+              <a:endParaRPr lang="zh-CN" altLang="en-US" b="1">
                 <a:solidFill>
                   <a:schemeClr val="accent5"/>
                 </a:solidFill>
@@ -16358,10 +17921,10 @@
           <a:lstStyle/>
           <a:p>
             <a:r>
-              <a:rPr lang="en-US" altLang="zh-CN" sz="3600" dirty="0"/>
+              <a:rPr lang="en-US" altLang="zh-CN" sz="3600"/>
               <a:t>slice</a:t>
             </a:r>
-            <a:endParaRPr lang="zh-CN" altLang="en-US" sz="3600" dirty="0"/>
+            <a:endParaRPr lang="zh-CN" altLang="en-US" sz="3600"/>
           </a:p>
         </p:txBody>
       </p:sp>
@@ -16416,7 +17979,7 @@
           <a:p>
             <a:pPr algn="ctr"/>
             <a:r>
-              <a:rPr lang="en-US" altLang="zh-CN" b="1" dirty="0">
+              <a:rPr lang="en-US" altLang="zh-CN" b="1">
                 <a:solidFill>
                   <a:schemeClr val="bg2">
                     <a:lumMod val="25000"/>
@@ -16425,7 +17988,7 @@
               </a:rPr>
               <a:t>l</a:t>
             </a:r>
-            <a:endParaRPr lang="zh-CN" altLang="en-US" b="1" dirty="0">
+            <a:endParaRPr lang="zh-CN" altLang="en-US" b="1">
               <a:solidFill>
                 <a:schemeClr val="bg2">
                   <a:lumMod val="25000"/>
@@ -16486,7 +18049,7 @@
           <a:p>
             <a:pPr algn="ctr"/>
             <a:r>
-              <a:rPr lang="en-US" altLang="zh-CN" b="1" dirty="0">
+              <a:rPr lang="en-US" altLang="zh-CN" b="1">
                 <a:solidFill>
                   <a:schemeClr val="bg2">
                     <a:lumMod val="25000"/>
@@ -16495,7 +18058,7 @@
               </a:rPr>
               <a:t>o</a:t>
             </a:r>
-            <a:endParaRPr lang="zh-CN" altLang="en-US" b="1" dirty="0">
+            <a:endParaRPr lang="zh-CN" altLang="en-US" b="1">
               <a:solidFill>
                 <a:schemeClr val="bg2">
                   <a:lumMod val="25000"/>
@@ -16556,7 +18119,7 @@
           <a:p>
             <a:pPr algn="ctr"/>
             <a:r>
-              <a:rPr lang="en-US" altLang="zh-CN" b="1" dirty="0">
+              <a:rPr lang="en-US" altLang="zh-CN" b="1">
                 <a:solidFill>
                   <a:schemeClr val="bg2">
                     <a:lumMod val="25000"/>
@@ -16565,7 +18128,7 @@
               </a:rPr>
               <a:t>w</a:t>
             </a:r>
-            <a:endParaRPr lang="zh-CN" altLang="en-US" b="1" dirty="0">
+            <a:endParaRPr lang="zh-CN" altLang="en-US" b="1">
               <a:solidFill>
                 <a:schemeClr val="bg2">
                   <a:lumMod val="25000"/>
@@ -16667,14 +18230,14 @@
             <a:lstStyle/>
             <a:p>
               <a:r>
-                <a:rPr lang="en-US" altLang="zh-CN" b="1" dirty="0">
+                <a:rPr lang="en-US" altLang="zh-CN" b="1">
                   <a:solidFill>
                     <a:schemeClr val="accent5"/>
                   </a:solidFill>
                 </a:rPr>
                 <a:t>capacity</a:t>
               </a:r>
-              <a:endParaRPr lang="zh-CN" altLang="en-US" b="1" dirty="0">
+              <a:endParaRPr lang="zh-CN" altLang="en-US" b="1">
                 <a:solidFill>
                   <a:schemeClr val="accent5"/>
                 </a:solidFill>
@@ -16766,7 +18329,7 @@
           <a:lstStyle/>
           <a:p>
             <a:r>
-              <a:rPr lang="en-US" altLang="zh-CN" b="1" dirty="0">
+              <a:rPr lang="en-US" altLang="zh-CN" b="1">
                 <a:solidFill>
                   <a:schemeClr val="bg2">
                     <a:lumMod val="25000"/>
@@ -16775,7 +18338,7 @@
               </a:rPr>
               <a:t>slice()</a:t>
             </a:r>
-            <a:endParaRPr lang="zh-CN" altLang="en-US" b="1" dirty="0">
+            <a:endParaRPr lang="zh-CN" altLang="en-US" b="1">
               <a:solidFill>
                 <a:schemeClr val="bg2">
                   <a:lumMod val="25000"/>
@@ -16877,14 +18440,14 @@
             <a:lstStyle/>
             <a:p>
               <a:r>
-                <a:rPr lang="en-US" altLang="zh-CN" b="1" dirty="0">
+                <a:rPr lang="en-US" altLang="zh-CN" b="1">
                   <a:solidFill>
                     <a:schemeClr val="accent5"/>
                   </a:solidFill>
                 </a:rPr>
                 <a:t>position</a:t>
               </a:r>
-              <a:endParaRPr lang="zh-CN" altLang="en-US" b="1" dirty="0">
+              <a:endParaRPr lang="zh-CN" altLang="en-US" b="1">
                 <a:solidFill>
                   <a:schemeClr val="accent5"/>
                 </a:solidFill>
@@ -16981,14 +18544,14 @@
             <a:lstStyle/>
             <a:p>
               <a:r>
-                <a:rPr lang="en-US" altLang="zh-CN" b="1" dirty="0">
+                <a:rPr lang="en-US" altLang="zh-CN" b="1">
                   <a:solidFill>
                     <a:schemeClr val="accent5"/>
                   </a:solidFill>
                 </a:rPr>
                 <a:t>    limit</a:t>
               </a:r>
-              <a:endParaRPr lang="zh-CN" altLang="en-US" b="1" dirty="0">
+              <a:endParaRPr lang="zh-CN" altLang="en-US" b="1">
                 <a:solidFill>
                   <a:schemeClr val="accent5"/>
                 </a:solidFill>
@@ -17067,14 +18630,14 @@
           <a:lstStyle/>
           <a:p>
             <a:r>
-              <a:rPr lang="en-US" altLang="zh-CN" b="1" dirty="0">
+              <a:rPr lang="en-US" altLang="zh-CN" b="1">
                 <a:solidFill>
                   <a:schemeClr val="accent5"/>
                 </a:solidFill>
               </a:rPr>
               <a:t>limit</a:t>
             </a:r>
-            <a:endParaRPr lang="zh-CN" altLang="en-US" b="1" dirty="0">
+            <a:endParaRPr lang="zh-CN" altLang="en-US" b="1">
               <a:solidFill>
                 <a:schemeClr val="accent5"/>
               </a:solidFill>
